--- a/Day 9/Day 9.pptx
+++ b/Day 9/Day 9.pptx
@@ -2980,7 +2980,7 @@
           <p:cNvPr id="2" name="Picture Placeholder 8">
             <a:extLst>
               <a:ext uri="{FF2B5EF4-FFF2-40B4-BE49-F238E27FC236}">
-                <a16:creationId xmlns:a16="http://schemas.microsoft.com/office/drawing/2014/main" xmlns="" id="{E11C3564-CF67-FE45-A9E2-4B3C230C88D2}"/>
+                <a16:creationId xmlns="" xmlns:a16="http://schemas.microsoft.com/office/drawing/2014/main" id="{E11C3564-CF67-FE45-A9E2-4B3C230C88D2}"/>
               </a:ext>
             </a:extLst>
           </p:cNvPr>
@@ -3054,7 +3054,7 @@
           <p:cNvPr id="2" name="Picture Placeholder 8">
             <a:extLst>
               <a:ext uri="{FF2B5EF4-FFF2-40B4-BE49-F238E27FC236}">
-                <a16:creationId xmlns:a16="http://schemas.microsoft.com/office/drawing/2014/main" xmlns="" id="{D9DD6903-31DD-5348-931E-827644FF87FE}"/>
+                <a16:creationId xmlns="" xmlns:a16="http://schemas.microsoft.com/office/drawing/2014/main" id="{D9DD6903-31DD-5348-931E-827644FF87FE}"/>
               </a:ext>
             </a:extLst>
           </p:cNvPr>
@@ -3219,7 +3219,7 @@
           <p:cNvPr id="5" name="Picture Placeholder 4">
             <a:extLst>
               <a:ext uri="{FF2B5EF4-FFF2-40B4-BE49-F238E27FC236}">
-                <a16:creationId xmlns:a16="http://schemas.microsoft.com/office/drawing/2014/main" xmlns="" id="{8CBA70B9-7619-4B6B-9D48-09FF42954060}"/>
+                <a16:creationId xmlns="" xmlns:a16="http://schemas.microsoft.com/office/drawing/2014/main" id="{8CBA70B9-7619-4B6B-9D48-09FF42954060}"/>
               </a:ext>
             </a:extLst>
           </p:cNvPr>
@@ -5602,7 +5602,7 @@
           <p:cNvPr id="13" name="Rectangle 12">
             <a:extLst>
               <a:ext uri="{FF2B5EF4-FFF2-40B4-BE49-F238E27FC236}">
-                <a16:creationId xmlns:a16="http://schemas.microsoft.com/office/drawing/2014/main" xmlns="" id="{EE1D1380-BC28-F74F-8866-BD4C0AD42595}"/>
+                <a16:creationId xmlns="" xmlns:a16="http://schemas.microsoft.com/office/drawing/2014/main" id="{EE1D1380-BC28-F74F-8866-BD4C0AD42595}"/>
               </a:ext>
             </a:extLst>
           </p:cNvPr>
@@ -5672,7 +5672,7 @@
           <p:cNvPr id="19" name="Rectangle 18">
             <a:extLst>
               <a:ext uri="{FF2B5EF4-FFF2-40B4-BE49-F238E27FC236}">
-                <a16:creationId xmlns:a16="http://schemas.microsoft.com/office/drawing/2014/main" xmlns="" id="{E216E509-7677-6B46-8B3B-A2FD45DA050D}"/>
+                <a16:creationId xmlns="" xmlns:a16="http://schemas.microsoft.com/office/drawing/2014/main" id="{E216E509-7677-6B46-8B3B-A2FD45DA050D}"/>
               </a:ext>
             </a:extLst>
           </p:cNvPr>
@@ -5727,7 +5727,7 @@
           <p:cNvPr id="20" name="TextBox 19">
             <a:extLst>
               <a:ext uri="{FF2B5EF4-FFF2-40B4-BE49-F238E27FC236}">
-                <a16:creationId xmlns:a16="http://schemas.microsoft.com/office/drawing/2014/main" xmlns="" id="{4EFED54B-A0C4-AD45-BC49-272F16D1A13E}"/>
+                <a16:creationId xmlns="" xmlns:a16="http://schemas.microsoft.com/office/drawing/2014/main" id="{4EFED54B-A0C4-AD45-BC49-272F16D1A13E}"/>
               </a:ext>
             </a:extLst>
           </p:cNvPr>
@@ -5766,7 +5766,7 @@
           <p:cNvPr id="22" name="Oval 21">
             <a:extLst>
               <a:ext uri="{FF2B5EF4-FFF2-40B4-BE49-F238E27FC236}">
-                <a16:creationId xmlns:a16="http://schemas.microsoft.com/office/drawing/2014/main" xmlns="" id="{33AB4938-0A06-984F-B78F-061AE8D5D2E4}"/>
+                <a16:creationId xmlns="" xmlns:a16="http://schemas.microsoft.com/office/drawing/2014/main" id="{33AB4938-0A06-984F-B78F-061AE8D5D2E4}"/>
               </a:ext>
             </a:extLst>
           </p:cNvPr>
@@ -5818,7 +5818,7 @@
           <p:cNvPr id="11" name="Picture 10">
             <a:extLst>
               <a:ext uri="{FF2B5EF4-FFF2-40B4-BE49-F238E27FC236}">
-                <a16:creationId xmlns:a16="http://schemas.microsoft.com/office/drawing/2014/main" xmlns="" id="{B632F133-AC7B-4BFC-9A60-F9C1BF83B8C7}"/>
+                <a16:creationId xmlns="" xmlns:a16="http://schemas.microsoft.com/office/drawing/2014/main" id="{B632F133-AC7B-4BFC-9A60-F9C1BF83B8C7}"/>
               </a:ext>
             </a:extLst>
           </p:cNvPr>
@@ -5854,7 +5854,7 @@
           <p:cNvPr id="9" name="TextBox 8">
             <a:extLst>
               <a:ext uri="{FF2B5EF4-FFF2-40B4-BE49-F238E27FC236}">
-                <a16:creationId xmlns:a16="http://schemas.microsoft.com/office/drawing/2014/main" xmlns="" id="{D06FB5FD-D3E3-CE41-828B-9FCCF170BE43}"/>
+                <a16:creationId xmlns="" xmlns:a16="http://schemas.microsoft.com/office/drawing/2014/main" id="{D06FB5FD-D3E3-CE41-828B-9FCCF170BE43}"/>
               </a:ext>
             </a:extLst>
           </p:cNvPr>
@@ -5963,7 +5963,7 @@
           <p:cNvPr id="8" name="Rectangle 4">
             <a:extLst>
               <a:ext uri="{FF2B5EF4-FFF2-40B4-BE49-F238E27FC236}">
-                <a16:creationId xmlns:a16="http://schemas.microsoft.com/office/drawing/2014/main" xmlns="" id="{8D153262-0D22-EE4B-8422-E83531E442C3}"/>
+                <a16:creationId xmlns="" xmlns:a16="http://schemas.microsoft.com/office/drawing/2014/main" id="{8D153262-0D22-EE4B-8422-E83531E442C3}"/>
               </a:ext>
             </a:extLst>
           </p:cNvPr>
@@ -6175,7 +6175,7 @@
           <p:cNvPr id="11" name="Picture 10">
             <a:extLst>
               <a:ext uri="{FF2B5EF4-FFF2-40B4-BE49-F238E27FC236}">
-                <a16:creationId xmlns:a16="http://schemas.microsoft.com/office/drawing/2014/main" xmlns="" id="{B632F133-AC7B-4BFC-9A60-F9C1BF83B8C7}"/>
+                <a16:creationId xmlns="" xmlns:a16="http://schemas.microsoft.com/office/drawing/2014/main" id="{B632F133-AC7B-4BFC-9A60-F9C1BF83B8C7}"/>
               </a:ext>
             </a:extLst>
           </p:cNvPr>
@@ -6211,7 +6211,7 @@
           <p:cNvPr id="15" name="Title 1">
             <a:extLst>
               <a:ext uri="{FF2B5EF4-FFF2-40B4-BE49-F238E27FC236}">
-                <a16:creationId xmlns:a16="http://schemas.microsoft.com/office/drawing/2014/main" xmlns="" id="{13EBA3E6-25D4-4BA0-BF9B-28343460C110}"/>
+                <a16:creationId xmlns="" xmlns:a16="http://schemas.microsoft.com/office/drawing/2014/main" id="{13EBA3E6-25D4-4BA0-BF9B-28343460C110}"/>
               </a:ext>
             </a:extLst>
           </p:cNvPr>
@@ -6268,7 +6268,7 @@
           <p:cNvPr id="19" name="TextBox 18">
             <a:extLst>
               <a:ext uri="{FF2B5EF4-FFF2-40B4-BE49-F238E27FC236}">
-                <a16:creationId xmlns:a16="http://schemas.microsoft.com/office/drawing/2014/main" xmlns="" id="{0170E0F5-2AC9-46A0-8FB7-F6F2FAE52514}"/>
+                <a16:creationId xmlns="" xmlns:a16="http://schemas.microsoft.com/office/drawing/2014/main" id="{0170E0F5-2AC9-46A0-8FB7-F6F2FAE52514}"/>
               </a:ext>
             </a:extLst>
           </p:cNvPr>
@@ -6316,7 +6316,7 @@
           <p:cNvPr id="21" name="TextBox 20">
             <a:extLst>
               <a:ext uri="{FF2B5EF4-FFF2-40B4-BE49-F238E27FC236}">
-                <a16:creationId xmlns:a16="http://schemas.microsoft.com/office/drawing/2014/main" xmlns="" id="{414875D0-394E-4AF2-A3E5-0E3479FCA849}"/>
+                <a16:creationId xmlns="" xmlns:a16="http://schemas.microsoft.com/office/drawing/2014/main" id="{414875D0-394E-4AF2-A3E5-0E3479FCA849}"/>
               </a:ext>
             </a:extLst>
           </p:cNvPr>
@@ -6363,7 +6363,7 @@
           <p:cNvPr id="22" name="TextBox 21">
             <a:extLst>
               <a:ext uri="{FF2B5EF4-FFF2-40B4-BE49-F238E27FC236}">
-                <a16:creationId xmlns:a16="http://schemas.microsoft.com/office/drawing/2014/main" xmlns="" id="{85D86FD3-2AA8-4AC3-8DC8-6F086208D51C}"/>
+                <a16:creationId xmlns="" xmlns:a16="http://schemas.microsoft.com/office/drawing/2014/main" id="{85D86FD3-2AA8-4AC3-8DC8-6F086208D51C}"/>
               </a:ext>
             </a:extLst>
           </p:cNvPr>
@@ -6411,7 +6411,7 @@
           <p:cNvPr id="24" name="TextBox 23">
             <a:extLst>
               <a:ext uri="{FF2B5EF4-FFF2-40B4-BE49-F238E27FC236}">
-                <a16:creationId xmlns:a16="http://schemas.microsoft.com/office/drawing/2014/main" xmlns="" id="{B7179A51-5460-4ADA-9A06-1ABE87F06D1D}"/>
+                <a16:creationId xmlns="" xmlns:a16="http://schemas.microsoft.com/office/drawing/2014/main" id="{B7179A51-5460-4ADA-9A06-1ABE87F06D1D}"/>
               </a:ext>
             </a:extLst>
           </p:cNvPr>
@@ -6579,7 +6579,7 @@
           <p:cNvPr id="18" name="Footer Placeholder 45">
             <a:extLst>
               <a:ext uri="{FF2B5EF4-FFF2-40B4-BE49-F238E27FC236}">
-                <a16:creationId xmlns:a16="http://schemas.microsoft.com/office/drawing/2014/main" xmlns="" id="{90E33047-DFF5-4690-8905-31E4C115EFDC}"/>
+                <a16:creationId xmlns="" xmlns:a16="http://schemas.microsoft.com/office/drawing/2014/main" id="{90E33047-DFF5-4690-8905-31E4C115EFDC}"/>
               </a:ext>
             </a:extLst>
           </p:cNvPr>
@@ -6750,7 +6750,7 @@
           <p:cNvPr id="8" name="Rectangle 4">
             <a:extLst>
               <a:ext uri="{FF2B5EF4-FFF2-40B4-BE49-F238E27FC236}">
-                <a16:creationId xmlns:a16="http://schemas.microsoft.com/office/drawing/2014/main" xmlns="" id="{8D153262-0D22-EE4B-8422-E83531E442C3}"/>
+                <a16:creationId xmlns="" xmlns:a16="http://schemas.microsoft.com/office/drawing/2014/main" id="{8D153262-0D22-EE4B-8422-E83531E442C3}"/>
               </a:ext>
             </a:extLst>
           </p:cNvPr>
@@ -6962,7 +6962,7 @@
           <p:cNvPr id="10" name="TextBox 9">
             <a:extLst>
               <a:ext uri="{FF2B5EF4-FFF2-40B4-BE49-F238E27FC236}">
-                <a16:creationId xmlns:a16="http://schemas.microsoft.com/office/drawing/2014/main" xmlns="" id="{CC39E87A-2CAF-CD41-98DC-4526D06794F9}"/>
+                <a16:creationId xmlns="" xmlns:a16="http://schemas.microsoft.com/office/drawing/2014/main" id="{CC39E87A-2CAF-CD41-98DC-4526D06794F9}"/>
               </a:ext>
             </a:extLst>
           </p:cNvPr>
@@ -7008,7 +7008,7 @@
           <p:cNvPr id="11" name="Picture 10">
             <a:extLst>
               <a:ext uri="{FF2B5EF4-FFF2-40B4-BE49-F238E27FC236}">
-                <a16:creationId xmlns:a16="http://schemas.microsoft.com/office/drawing/2014/main" xmlns="" id="{B632F133-AC7B-4BFC-9A60-F9C1BF83B8C7}"/>
+                <a16:creationId xmlns="" xmlns:a16="http://schemas.microsoft.com/office/drawing/2014/main" id="{B632F133-AC7B-4BFC-9A60-F9C1BF83B8C7}"/>
               </a:ext>
             </a:extLst>
           </p:cNvPr>
@@ -7044,7 +7044,7 @@
           <p:cNvPr id="15" name="Title 1">
             <a:extLst>
               <a:ext uri="{FF2B5EF4-FFF2-40B4-BE49-F238E27FC236}">
-                <a16:creationId xmlns:a16="http://schemas.microsoft.com/office/drawing/2014/main" xmlns="" id="{13EBA3E6-25D4-4BA0-BF9B-28343460C110}"/>
+                <a16:creationId xmlns="" xmlns:a16="http://schemas.microsoft.com/office/drawing/2014/main" id="{13EBA3E6-25D4-4BA0-BF9B-28343460C110}"/>
               </a:ext>
             </a:extLst>
           </p:cNvPr>
@@ -7110,7 +7110,7 @@
           <p:cNvPr id="19" name="TextBox 18">
             <a:extLst>
               <a:ext uri="{FF2B5EF4-FFF2-40B4-BE49-F238E27FC236}">
-                <a16:creationId xmlns:a16="http://schemas.microsoft.com/office/drawing/2014/main" xmlns="" id="{0170E0F5-2AC9-46A0-8FB7-F6F2FAE52514}"/>
+                <a16:creationId xmlns="" xmlns:a16="http://schemas.microsoft.com/office/drawing/2014/main" id="{0170E0F5-2AC9-46A0-8FB7-F6F2FAE52514}"/>
               </a:ext>
             </a:extLst>
           </p:cNvPr>
@@ -7158,7 +7158,7 @@
           <p:cNvPr id="21" name="TextBox 20">
             <a:extLst>
               <a:ext uri="{FF2B5EF4-FFF2-40B4-BE49-F238E27FC236}">
-                <a16:creationId xmlns:a16="http://schemas.microsoft.com/office/drawing/2014/main" xmlns="" id="{414875D0-394E-4AF2-A3E5-0E3479FCA849}"/>
+                <a16:creationId xmlns="" xmlns:a16="http://schemas.microsoft.com/office/drawing/2014/main" id="{414875D0-394E-4AF2-A3E5-0E3479FCA849}"/>
               </a:ext>
             </a:extLst>
           </p:cNvPr>
@@ -7205,7 +7205,7 @@
           <p:cNvPr id="22" name="TextBox 21">
             <a:extLst>
               <a:ext uri="{FF2B5EF4-FFF2-40B4-BE49-F238E27FC236}">
-                <a16:creationId xmlns:a16="http://schemas.microsoft.com/office/drawing/2014/main" xmlns="" id="{85D86FD3-2AA8-4AC3-8DC8-6F086208D51C}"/>
+                <a16:creationId xmlns="" xmlns:a16="http://schemas.microsoft.com/office/drawing/2014/main" id="{85D86FD3-2AA8-4AC3-8DC8-6F086208D51C}"/>
               </a:ext>
             </a:extLst>
           </p:cNvPr>
@@ -7253,7 +7253,7 @@
           <p:cNvPr id="24" name="TextBox 23">
             <a:extLst>
               <a:ext uri="{FF2B5EF4-FFF2-40B4-BE49-F238E27FC236}">
-                <a16:creationId xmlns:a16="http://schemas.microsoft.com/office/drawing/2014/main" xmlns="" id="{B7179A51-5460-4ADA-9A06-1ABE87F06D1D}"/>
+                <a16:creationId xmlns="" xmlns:a16="http://schemas.microsoft.com/office/drawing/2014/main" id="{B7179A51-5460-4ADA-9A06-1ABE87F06D1D}"/>
               </a:ext>
             </a:extLst>
           </p:cNvPr>
@@ -7421,7 +7421,7 @@
           <p:cNvPr id="18" name="Footer Placeholder 45">
             <a:extLst>
               <a:ext uri="{FF2B5EF4-FFF2-40B4-BE49-F238E27FC236}">
-                <a16:creationId xmlns:a16="http://schemas.microsoft.com/office/drawing/2014/main" xmlns="" id="{90E33047-DFF5-4690-8905-31E4C115EFDC}"/>
+                <a16:creationId xmlns="" xmlns:a16="http://schemas.microsoft.com/office/drawing/2014/main" id="{90E33047-DFF5-4690-8905-31E4C115EFDC}"/>
               </a:ext>
             </a:extLst>
           </p:cNvPr>
@@ -7592,7 +7592,7 @@
           <p:cNvPr id="8" name="Rectangle 4">
             <a:extLst>
               <a:ext uri="{FF2B5EF4-FFF2-40B4-BE49-F238E27FC236}">
-                <a16:creationId xmlns:a16="http://schemas.microsoft.com/office/drawing/2014/main" xmlns="" id="{8D153262-0D22-EE4B-8422-E83531E442C3}"/>
+                <a16:creationId xmlns="" xmlns:a16="http://schemas.microsoft.com/office/drawing/2014/main" id="{8D153262-0D22-EE4B-8422-E83531E442C3}"/>
               </a:ext>
             </a:extLst>
           </p:cNvPr>
@@ -7804,7 +7804,7 @@
           <p:cNvPr id="10" name="TextBox 9">
             <a:extLst>
               <a:ext uri="{FF2B5EF4-FFF2-40B4-BE49-F238E27FC236}">
-                <a16:creationId xmlns:a16="http://schemas.microsoft.com/office/drawing/2014/main" xmlns="" id="{CC39E87A-2CAF-CD41-98DC-4526D06794F9}"/>
+                <a16:creationId xmlns="" xmlns:a16="http://schemas.microsoft.com/office/drawing/2014/main" id="{CC39E87A-2CAF-CD41-98DC-4526D06794F9}"/>
               </a:ext>
             </a:extLst>
           </p:cNvPr>
@@ -7850,7 +7850,7 @@
           <p:cNvPr id="11" name="Picture 10">
             <a:extLst>
               <a:ext uri="{FF2B5EF4-FFF2-40B4-BE49-F238E27FC236}">
-                <a16:creationId xmlns:a16="http://schemas.microsoft.com/office/drawing/2014/main" xmlns="" id="{B632F133-AC7B-4BFC-9A60-F9C1BF83B8C7}"/>
+                <a16:creationId xmlns="" xmlns:a16="http://schemas.microsoft.com/office/drawing/2014/main" id="{B632F133-AC7B-4BFC-9A60-F9C1BF83B8C7}"/>
               </a:ext>
             </a:extLst>
           </p:cNvPr>
@@ -7886,7 +7886,7 @@
           <p:cNvPr id="15" name="Title 1">
             <a:extLst>
               <a:ext uri="{FF2B5EF4-FFF2-40B4-BE49-F238E27FC236}">
-                <a16:creationId xmlns:a16="http://schemas.microsoft.com/office/drawing/2014/main" xmlns="" id="{13EBA3E6-25D4-4BA0-BF9B-28343460C110}"/>
+                <a16:creationId xmlns="" xmlns:a16="http://schemas.microsoft.com/office/drawing/2014/main" id="{13EBA3E6-25D4-4BA0-BF9B-28343460C110}"/>
               </a:ext>
             </a:extLst>
           </p:cNvPr>
@@ -7952,7 +7952,7 @@
           <p:cNvPr id="19" name="TextBox 18">
             <a:extLst>
               <a:ext uri="{FF2B5EF4-FFF2-40B4-BE49-F238E27FC236}">
-                <a16:creationId xmlns:a16="http://schemas.microsoft.com/office/drawing/2014/main" xmlns="" id="{0170E0F5-2AC9-46A0-8FB7-F6F2FAE52514}"/>
+                <a16:creationId xmlns="" xmlns:a16="http://schemas.microsoft.com/office/drawing/2014/main" id="{0170E0F5-2AC9-46A0-8FB7-F6F2FAE52514}"/>
               </a:ext>
             </a:extLst>
           </p:cNvPr>
@@ -8000,7 +8000,7 @@
           <p:cNvPr id="21" name="TextBox 20">
             <a:extLst>
               <a:ext uri="{FF2B5EF4-FFF2-40B4-BE49-F238E27FC236}">
-                <a16:creationId xmlns:a16="http://schemas.microsoft.com/office/drawing/2014/main" xmlns="" id="{414875D0-394E-4AF2-A3E5-0E3479FCA849}"/>
+                <a16:creationId xmlns="" xmlns:a16="http://schemas.microsoft.com/office/drawing/2014/main" id="{414875D0-394E-4AF2-A3E5-0E3479FCA849}"/>
               </a:ext>
             </a:extLst>
           </p:cNvPr>
@@ -8047,7 +8047,7 @@
           <p:cNvPr id="22" name="TextBox 21">
             <a:extLst>
               <a:ext uri="{FF2B5EF4-FFF2-40B4-BE49-F238E27FC236}">
-                <a16:creationId xmlns:a16="http://schemas.microsoft.com/office/drawing/2014/main" xmlns="" id="{85D86FD3-2AA8-4AC3-8DC8-6F086208D51C}"/>
+                <a16:creationId xmlns="" xmlns:a16="http://schemas.microsoft.com/office/drawing/2014/main" id="{85D86FD3-2AA8-4AC3-8DC8-6F086208D51C}"/>
               </a:ext>
             </a:extLst>
           </p:cNvPr>
@@ -8095,7 +8095,7 @@
           <p:cNvPr id="24" name="TextBox 23">
             <a:extLst>
               <a:ext uri="{FF2B5EF4-FFF2-40B4-BE49-F238E27FC236}">
-                <a16:creationId xmlns:a16="http://schemas.microsoft.com/office/drawing/2014/main" xmlns="" id="{B7179A51-5460-4ADA-9A06-1ABE87F06D1D}"/>
+                <a16:creationId xmlns="" xmlns:a16="http://schemas.microsoft.com/office/drawing/2014/main" id="{B7179A51-5460-4ADA-9A06-1ABE87F06D1D}"/>
               </a:ext>
             </a:extLst>
           </p:cNvPr>
@@ -8262,7 +8262,7 @@
           <p:cNvPr id="18" name="Footer Placeholder 45">
             <a:extLst>
               <a:ext uri="{FF2B5EF4-FFF2-40B4-BE49-F238E27FC236}">
-                <a16:creationId xmlns:a16="http://schemas.microsoft.com/office/drawing/2014/main" xmlns="" id="{90E33047-DFF5-4690-8905-31E4C115EFDC}"/>
+                <a16:creationId xmlns="" xmlns:a16="http://schemas.microsoft.com/office/drawing/2014/main" id="{90E33047-DFF5-4690-8905-31E4C115EFDC}"/>
               </a:ext>
             </a:extLst>
           </p:cNvPr>
@@ -8433,7 +8433,7 @@
           <p:cNvPr id="8" name="Rectangle 4">
             <a:extLst>
               <a:ext uri="{FF2B5EF4-FFF2-40B4-BE49-F238E27FC236}">
-                <a16:creationId xmlns:a16="http://schemas.microsoft.com/office/drawing/2014/main" xmlns="" id="{8D153262-0D22-EE4B-8422-E83531E442C3}"/>
+                <a16:creationId xmlns="" xmlns:a16="http://schemas.microsoft.com/office/drawing/2014/main" id="{8D153262-0D22-EE4B-8422-E83531E442C3}"/>
               </a:ext>
             </a:extLst>
           </p:cNvPr>
@@ -8645,7 +8645,7 @@
           <p:cNvPr id="10" name="TextBox 9">
             <a:extLst>
               <a:ext uri="{FF2B5EF4-FFF2-40B4-BE49-F238E27FC236}">
-                <a16:creationId xmlns:a16="http://schemas.microsoft.com/office/drawing/2014/main" xmlns="" id="{CC39E87A-2CAF-CD41-98DC-4526D06794F9}"/>
+                <a16:creationId xmlns="" xmlns:a16="http://schemas.microsoft.com/office/drawing/2014/main" id="{CC39E87A-2CAF-CD41-98DC-4526D06794F9}"/>
               </a:ext>
             </a:extLst>
           </p:cNvPr>
@@ -8691,7 +8691,7 @@
           <p:cNvPr id="11" name="Picture 10">
             <a:extLst>
               <a:ext uri="{FF2B5EF4-FFF2-40B4-BE49-F238E27FC236}">
-                <a16:creationId xmlns:a16="http://schemas.microsoft.com/office/drawing/2014/main" xmlns="" id="{B632F133-AC7B-4BFC-9A60-F9C1BF83B8C7}"/>
+                <a16:creationId xmlns="" xmlns:a16="http://schemas.microsoft.com/office/drawing/2014/main" id="{B632F133-AC7B-4BFC-9A60-F9C1BF83B8C7}"/>
               </a:ext>
             </a:extLst>
           </p:cNvPr>
@@ -8727,7 +8727,7 @@
           <p:cNvPr id="15" name="Title 1">
             <a:extLst>
               <a:ext uri="{FF2B5EF4-FFF2-40B4-BE49-F238E27FC236}">
-                <a16:creationId xmlns:a16="http://schemas.microsoft.com/office/drawing/2014/main" xmlns="" id="{13EBA3E6-25D4-4BA0-BF9B-28343460C110}"/>
+                <a16:creationId xmlns="" xmlns:a16="http://schemas.microsoft.com/office/drawing/2014/main" id="{13EBA3E6-25D4-4BA0-BF9B-28343460C110}"/>
               </a:ext>
             </a:extLst>
           </p:cNvPr>
@@ -8784,7 +8784,7 @@
           <p:cNvPr id="19" name="TextBox 18">
             <a:extLst>
               <a:ext uri="{FF2B5EF4-FFF2-40B4-BE49-F238E27FC236}">
-                <a16:creationId xmlns:a16="http://schemas.microsoft.com/office/drawing/2014/main" xmlns="" id="{0170E0F5-2AC9-46A0-8FB7-F6F2FAE52514}"/>
+                <a16:creationId xmlns="" xmlns:a16="http://schemas.microsoft.com/office/drawing/2014/main" id="{0170E0F5-2AC9-46A0-8FB7-F6F2FAE52514}"/>
               </a:ext>
             </a:extLst>
           </p:cNvPr>
@@ -8832,7 +8832,7 @@
           <p:cNvPr id="21" name="TextBox 20">
             <a:extLst>
               <a:ext uri="{FF2B5EF4-FFF2-40B4-BE49-F238E27FC236}">
-                <a16:creationId xmlns:a16="http://schemas.microsoft.com/office/drawing/2014/main" xmlns="" id="{414875D0-394E-4AF2-A3E5-0E3479FCA849}"/>
+                <a16:creationId xmlns="" xmlns:a16="http://schemas.microsoft.com/office/drawing/2014/main" id="{414875D0-394E-4AF2-A3E5-0E3479FCA849}"/>
               </a:ext>
             </a:extLst>
           </p:cNvPr>
@@ -8879,7 +8879,7 @@
           <p:cNvPr id="22" name="TextBox 21">
             <a:extLst>
               <a:ext uri="{FF2B5EF4-FFF2-40B4-BE49-F238E27FC236}">
-                <a16:creationId xmlns:a16="http://schemas.microsoft.com/office/drawing/2014/main" xmlns="" id="{85D86FD3-2AA8-4AC3-8DC8-6F086208D51C}"/>
+                <a16:creationId xmlns="" xmlns:a16="http://schemas.microsoft.com/office/drawing/2014/main" id="{85D86FD3-2AA8-4AC3-8DC8-6F086208D51C}"/>
               </a:ext>
             </a:extLst>
           </p:cNvPr>
@@ -8927,7 +8927,7 @@
           <p:cNvPr id="24" name="TextBox 23">
             <a:extLst>
               <a:ext uri="{FF2B5EF4-FFF2-40B4-BE49-F238E27FC236}">
-                <a16:creationId xmlns:a16="http://schemas.microsoft.com/office/drawing/2014/main" xmlns="" id="{B7179A51-5460-4ADA-9A06-1ABE87F06D1D}"/>
+                <a16:creationId xmlns="" xmlns:a16="http://schemas.microsoft.com/office/drawing/2014/main" id="{B7179A51-5460-4ADA-9A06-1ABE87F06D1D}"/>
               </a:ext>
             </a:extLst>
           </p:cNvPr>
@@ -9066,7 +9066,7 @@
           <p:cNvPr id="17" name="Footer Placeholder 45">
             <a:extLst>
               <a:ext uri="{FF2B5EF4-FFF2-40B4-BE49-F238E27FC236}">
-                <a16:creationId xmlns:a16="http://schemas.microsoft.com/office/drawing/2014/main" xmlns="" id="{90E33047-DFF5-4690-8905-31E4C115EFDC}"/>
+                <a16:creationId xmlns="" xmlns:a16="http://schemas.microsoft.com/office/drawing/2014/main" id="{90E33047-DFF5-4690-8905-31E4C115EFDC}"/>
               </a:ext>
             </a:extLst>
           </p:cNvPr>
@@ -9237,7 +9237,7 @@
           <p:cNvPr id="8" name="Rectangle 4">
             <a:extLst>
               <a:ext uri="{FF2B5EF4-FFF2-40B4-BE49-F238E27FC236}">
-                <a16:creationId xmlns:a16="http://schemas.microsoft.com/office/drawing/2014/main" xmlns="" id="{8D153262-0D22-EE4B-8422-E83531E442C3}"/>
+                <a16:creationId xmlns="" xmlns:a16="http://schemas.microsoft.com/office/drawing/2014/main" id="{8D153262-0D22-EE4B-8422-E83531E442C3}"/>
               </a:ext>
             </a:extLst>
           </p:cNvPr>
@@ -9449,7 +9449,7 @@
           <p:cNvPr id="12" name="Rectangle 4">
             <a:extLst>
               <a:ext uri="{FF2B5EF4-FFF2-40B4-BE49-F238E27FC236}">
-                <a16:creationId xmlns:a16="http://schemas.microsoft.com/office/drawing/2014/main" xmlns="" id="{C28877C9-AFE0-2942-89C4-D35EB564C462}"/>
+                <a16:creationId xmlns="" xmlns:a16="http://schemas.microsoft.com/office/drawing/2014/main" id="{C28877C9-AFE0-2942-89C4-D35EB564C462}"/>
               </a:ext>
             </a:extLst>
           </p:cNvPr>
@@ -9601,7 +9601,7 @@
           <p:cNvPr id="10" name="TextBox 9">
             <a:extLst>
               <a:ext uri="{FF2B5EF4-FFF2-40B4-BE49-F238E27FC236}">
-                <a16:creationId xmlns:a16="http://schemas.microsoft.com/office/drawing/2014/main" xmlns="" id="{CC39E87A-2CAF-CD41-98DC-4526D06794F9}"/>
+                <a16:creationId xmlns="" xmlns:a16="http://schemas.microsoft.com/office/drawing/2014/main" id="{CC39E87A-2CAF-CD41-98DC-4526D06794F9}"/>
               </a:ext>
             </a:extLst>
           </p:cNvPr>
@@ -9647,7 +9647,7 @@
           <p:cNvPr id="9" name="Picture Placeholder 8">
             <a:extLst>
               <a:ext uri="{FF2B5EF4-FFF2-40B4-BE49-F238E27FC236}">
-                <a16:creationId xmlns:a16="http://schemas.microsoft.com/office/drawing/2014/main" xmlns="" id="{7C90EA22-574A-8A47-A483-79BDD3A62B9B}"/>
+                <a16:creationId xmlns="" xmlns:a16="http://schemas.microsoft.com/office/drawing/2014/main" id="{7C90EA22-574A-8A47-A483-79BDD3A62B9B}"/>
               </a:ext>
             </a:extLst>
           </p:cNvPr>
@@ -9681,7 +9681,7 @@
           <p:cNvPr id="2" name="Rectangle 1">
             <a:extLst>
               <a:ext uri="{FF2B5EF4-FFF2-40B4-BE49-F238E27FC236}">
-                <a16:creationId xmlns:a16="http://schemas.microsoft.com/office/drawing/2014/main" xmlns="" id="{4BFBF5BE-EB29-0A45-93D9-360EDBB07ED9}"/>
+                <a16:creationId xmlns="" xmlns:a16="http://schemas.microsoft.com/office/drawing/2014/main" id="{4BFBF5BE-EB29-0A45-93D9-360EDBB07ED9}"/>
               </a:ext>
             </a:extLst>
           </p:cNvPr>
@@ -9872,7 +9872,7 @@
           <p:cNvPr id="8" name="Rectangle 4">
             <a:extLst>
               <a:ext uri="{FF2B5EF4-FFF2-40B4-BE49-F238E27FC236}">
-                <a16:creationId xmlns:a16="http://schemas.microsoft.com/office/drawing/2014/main" xmlns="" id="{8D153262-0D22-EE4B-8422-E83531E442C3}"/>
+                <a16:creationId xmlns="" xmlns:a16="http://schemas.microsoft.com/office/drawing/2014/main" id="{8D153262-0D22-EE4B-8422-E83531E442C3}"/>
               </a:ext>
             </a:extLst>
           </p:cNvPr>
@@ -10084,7 +10084,7 @@
           <p:cNvPr id="11" name="Picture 10">
             <a:extLst>
               <a:ext uri="{FF2B5EF4-FFF2-40B4-BE49-F238E27FC236}">
-                <a16:creationId xmlns:a16="http://schemas.microsoft.com/office/drawing/2014/main" xmlns="" id="{B632F133-AC7B-4BFC-9A60-F9C1BF83B8C7}"/>
+                <a16:creationId xmlns="" xmlns:a16="http://schemas.microsoft.com/office/drawing/2014/main" id="{B632F133-AC7B-4BFC-9A60-F9C1BF83B8C7}"/>
               </a:ext>
             </a:extLst>
           </p:cNvPr>
@@ -10120,7 +10120,7 @@
           <p:cNvPr id="15" name="Title 1">
             <a:extLst>
               <a:ext uri="{FF2B5EF4-FFF2-40B4-BE49-F238E27FC236}">
-                <a16:creationId xmlns:a16="http://schemas.microsoft.com/office/drawing/2014/main" xmlns="" id="{13EBA3E6-25D4-4BA0-BF9B-28343460C110}"/>
+                <a16:creationId xmlns="" xmlns:a16="http://schemas.microsoft.com/office/drawing/2014/main" id="{13EBA3E6-25D4-4BA0-BF9B-28343460C110}"/>
               </a:ext>
             </a:extLst>
           </p:cNvPr>
@@ -10166,9 +10166,6 @@
               </a:rPr>
               <a:t>Restful ABAP Programming</a:t>
             </a:r>
-            <a:endParaRPr lang="en-IN" sz="3600" dirty="0">
-              <a:latin typeface="Cooper Black" panose="0208090404030B020404" pitchFamily="18" charset="0"/>
-            </a:endParaRPr>
           </a:p>
         </p:txBody>
       </p:sp>
@@ -10177,7 +10174,7 @@
           <p:cNvPr id="21" name="TextBox 20">
             <a:extLst>
               <a:ext uri="{FF2B5EF4-FFF2-40B4-BE49-F238E27FC236}">
-                <a16:creationId xmlns:a16="http://schemas.microsoft.com/office/drawing/2014/main" xmlns="" id="{414875D0-394E-4AF2-A3E5-0E3479FCA849}"/>
+                <a16:creationId xmlns="" xmlns:a16="http://schemas.microsoft.com/office/drawing/2014/main" id="{414875D0-394E-4AF2-A3E5-0E3479FCA849}"/>
               </a:ext>
             </a:extLst>
           </p:cNvPr>
@@ -10224,7 +10221,7 @@
           <p:cNvPr id="22" name="TextBox 21">
             <a:extLst>
               <a:ext uri="{FF2B5EF4-FFF2-40B4-BE49-F238E27FC236}">
-                <a16:creationId xmlns:a16="http://schemas.microsoft.com/office/drawing/2014/main" xmlns="" id="{85D86FD3-2AA8-4AC3-8DC8-6F086208D51C}"/>
+                <a16:creationId xmlns="" xmlns:a16="http://schemas.microsoft.com/office/drawing/2014/main" id="{85D86FD3-2AA8-4AC3-8DC8-6F086208D51C}"/>
               </a:ext>
             </a:extLst>
           </p:cNvPr>
@@ -10272,7 +10269,7 @@
           <p:cNvPr id="24" name="TextBox 23">
             <a:extLst>
               <a:ext uri="{FF2B5EF4-FFF2-40B4-BE49-F238E27FC236}">
-                <a16:creationId xmlns:a16="http://schemas.microsoft.com/office/drawing/2014/main" xmlns="" id="{B7179A51-5460-4ADA-9A06-1ABE87F06D1D}"/>
+                <a16:creationId xmlns="" xmlns:a16="http://schemas.microsoft.com/office/drawing/2014/main" id="{B7179A51-5460-4ADA-9A06-1ABE87F06D1D}"/>
               </a:ext>
             </a:extLst>
           </p:cNvPr>
@@ -10451,7 +10448,7 @@
           <p:cNvPr id="18" name="TextBox 7">
             <a:extLst>
               <a:ext uri="{FF2B5EF4-FFF2-40B4-BE49-F238E27FC236}">
-                <a16:creationId xmlns="" xmlns:a16="http://schemas.microsoft.com/office/drawing/2014/main" xmlns:lc="http://schemas.openxmlformats.org/drawingml/2006/lockedCanvas" id="{3FB0C4FA-4138-4FBD-A4A5-B9CAD03D9AE6}"/>
+                <a16:creationId xmlns:lc="http://schemas.openxmlformats.org/drawingml/2006/lockedCanvas" xmlns:a16="http://schemas.microsoft.com/office/drawing/2014/main" xmlns="" id="{3FB0C4FA-4138-4FBD-A4A5-B9CAD03D9AE6}"/>
               </a:ext>
             </a:extLst>
           </p:cNvPr>
@@ -10701,7 +10698,7 @@
           <p:cNvPr id="23" name="Footer Placeholder 45">
             <a:extLst>
               <a:ext uri="{FF2B5EF4-FFF2-40B4-BE49-F238E27FC236}">
-                <a16:creationId xmlns:a16="http://schemas.microsoft.com/office/drawing/2014/main" xmlns="" id="{90E33047-DFF5-4690-8905-31E4C115EFDC}"/>
+                <a16:creationId xmlns="" xmlns:a16="http://schemas.microsoft.com/office/drawing/2014/main" id="{90E33047-DFF5-4690-8905-31E4C115EFDC}"/>
               </a:ext>
             </a:extLst>
           </p:cNvPr>
@@ -10872,7 +10869,7 @@
           <p:cNvPr id="8" name="Rectangle 4">
             <a:extLst>
               <a:ext uri="{FF2B5EF4-FFF2-40B4-BE49-F238E27FC236}">
-                <a16:creationId xmlns:a16="http://schemas.microsoft.com/office/drawing/2014/main" xmlns="" id="{8D153262-0D22-EE4B-8422-E83531E442C3}"/>
+                <a16:creationId xmlns="" xmlns:a16="http://schemas.microsoft.com/office/drawing/2014/main" id="{8D153262-0D22-EE4B-8422-E83531E442C3}"/>
               </a:ext>
             </a:extLst>
           </p:cNvPr>
@@ -11084,7 +11081,7 @@
           <p:cNvPr id="11" name="Picture 10">
             <a:extLst>
               <a:ext uri="{FF2B5EF4-FFF2-40B4-BE49-F238E27FC236}">
-                <a16:creationId xmlns:a16="http://schemas.microsoft.com/office/drawing/2014/main" xmlns="" id="{B632F133-AC7B-4BFC-9A60-F9C1BF83B8C7}"/>
+                <a16:creationId xmlns="" xmlns:a16="http://schemas.microsoft.com/office/drawing/2014/main" id="{B632F133-AC7B-4BFC-9A60-F9C1BF83B8C7}"/>
               </a:ext>
             </a:extLst>
           </p:cNvPr>
@@ -11120,7 +11117,7 @@
           <p:cNvPr id="15" name="Title 1">
             <a:extLst>
               <a:ext uri="{FF2B5EF4-FFF2-40B4-BE49-F238E27FC236}">
-                <a16:creationId xmlns:a16="http://schemas.microsoft.com/office/drawing/2014/main" xmlns="" id="{13EBA3E6-25D4-4BA0-BF9B-28343460C110}"/>
+                <a16:creationId xmlns="" xmlns:a16="http://schemas.microsoft.com/office/drawing/2014/main" id="{13EBA3E6-25D4-4BA0-BF9B-28343460C110}"/>
               </a:ext>
             </a:extLst>
           </p:cNvPr>
@@ -11166,9 +11163,6 @@
               </a:rPr>
               <a:t>Important Tables</a:t>
             </a:r>
-            <a:endParaRPr lang="en-IN" sz="3600" dirty="0">
-              <a:latin typeface="Cooper Black" panose="0208090404030B020404" pitchFamily="18" charset="0"/>
-            </a:endParaRPr>
           </a:p>
         </p:txBody>
       </p:sp>
@@ -11177,7 +11171,7 @@
           <p:cNvPr id="19" name="TextBox 18">
             <a:extLst>
               <a:ext uri="{FF2B5EF4-FFF2-40B4-BE49-F238E27FC236}">
-                <a16:creationId xmlns:a16="http://schemas.microsoft.com/office/drawing/2014/main" xmlns="" id="{0170E0F5-2AC9-46A0-8FB7-F6F2FAE52514}"/>
+                <a16:creationId xmlns="" xmlns:a16="http://schemas.microsoft.com/office/drawing/2014/main" id="{0170E0F5-2AC9-46A0-8FB7-F6F2FAE52514}"/>
               </a:ext>
             </a:extLst>
           </p:cNvPr>
@@ -11225,7 +11219,7 @@
           <p:cNvPr id="21" name="TextBox 20">
             <a:extLst>
               <a:ext uri="{FF2B5EF4-FFF2-40B4-BE49-F238E27FC236}">
-                <a16:creationId xmlns:a16="http://schemas.microsoft.com/office/drawing/2014/main" xmlns="" id="{414875D0-394E-4AF2-A3E5-0E3479FCA849}"/>
+                <a16:creationId xmlns="" xmlns:a16="http://schemas.microsoft.com/office/drawing/2014/main" id="{414875D0-394E-4AF2-A3E5-0E3479FCA849}"/>
               </a:ext>
             </a:extLst>
           </p:cNvPr>
@@ -11272,7 +11266,7 @@
           <p:cNvPr id="22" name="TextBox 21">
             <a:extLst>
               <a:ext uri="{FF2B5EF4-FFF2-40B4-BE49-F238E27FC236}">
-                <a16:creationId xmlns:a16="http://schemas.microsoft.com/office/drawing/2014/main" xmlns="" id="{85D86FD3-2AA8-4AC3-8DC8-6F086208D51C}"/>
+                <a16:creationId xmlns="" xmlns:a16="http://schemas.microsoft.com/office/drawing/2014/main" id="{85D86FD3-2AA8-4AC3-8DC8-6F086208D51C}"/>
               </a:ext>
             </a:extLst>
           </p:cNvPr>
@@ -11320,7 +11314,7 @@
           <p:cNvPr id="24" name="TextBox 23">
             <a:extLst>
               <a:ext uri="{FF2B5EF4-FFF2-40B4-BE49-F238E27FC236}">
-                <a16:creationId xmlns:a16="http://schemas.microsoft.com/office/drawing/2014/main" xmlns="" id="{B7179A51-5460-4ADA-9A06-1ABE87F06D1D}"/>
+                <a16:creationId xmlns="" xmlns:a16="http://schemas.microsoft.com/office/drawing/2014/main" id="{B7179A51-5460-4ADA-9A06-1ABE87F06D1D}"/>
               </a:ext>
             </a:extLst>
           </p:cNvPr>
@@ -11367,7 +11361,7 @@
           <p:cNvPr id="12" name="Rectangle 11">
             <a:extLst>
               <a:ext uri="{FF2B5EF4-FFF2-40B4-BE49-F238E27FC236}">
-                <a16:creationId xmlns="" xmlns:a16="http://schemas.microsoft.com/office/drawing/2014/main" xmlns:lc="http://schemas.openxmlformats.org/drawingml/2006/lockedCanvas" id="{83E9EF19-DC4C-4C8D-AD80-09557D6B2A45}"/>
+                <a16:creationId xmlns:lc="http://schemas.openxmlformats.org/drawingml/2006/lockedCanvas" xmlns:a16="http://schemas.microsoft.com/office/drawing/2014/main" xmlns="" id="{83E9EF19-DC4C-4C8D-AD80-09557D6B2A45}"/>
               </a:ext>
             </a:extLst>
           </p:cNvPr>
@@ -11518,7 +11512,7 @@
           <p:cNvPr id="16" name="Rectangle 15">
             <a:extLst>
               <a:ext uri="{FF2B5EF4-FFF2-40B4-BE49-F238E27FC236}">
-                <a16:creationId xmlns="" xmlns:a16="http://schemas.microsoft.com/office/drawing/2014/main" xmlns:lc="http://schemas.openxmlformats.org/drawingml/2006/lockedCanvas" id="{795E2EC8-4D45-492D-8AFB-9CF08F6CF9D7}"/>
+                <a16:creationId xmlns:lc="http://schemas.openxmlformats.org/drawingml/2006/lockedCanvas" xmlns:a16="http://schemas.microsoft.com/office/drawing/2014/main" xmlns="" id="{795E2EC8-4D45-492D-8AFB-9CF08F6CF9D7}"/>
               </a:ext>
             </a:extLst>
           </p:cNvPr>
@@ -11665,7 +11659,7 @@
           <p:cNvPr id="17" name="Rectangle 16">
             <a:extLst>
               <a:ext uri="{FF2B5EF4-FFF2-40B4-BE49-F238E27FC236}">
-                <a16:creationId xmlns="" xmlns:a16="http://schemas.microsoft.com/office/drawing/2014/main" xmlns:lc="http://schemas.openxmlformats.org/drawingml/2006/lockedCanvas" id="{326156D5-46DA-4BE5-8114-A53FC7CB2E4C}"/>
+                <a16:creationId xmlns:lc="http://schemas.openxmlformats.org/drawingml/2006/lockedCanvas" xmlns:a16="http://schemas.microsoft.com/office/drawing/2014/main" xmlns="" id="{326156D5-46DA-4BE5-8114-A53FC7CB2E4C}"/>
               </a:ext>
             </a:extLst>
           </p:cNvPr>
@@ -11809,7 +11803,7 @@
           <p:cNvPr id="18" name="Rectangle 17">
             <a:extLst>
               <a:ext uri="{FF2B5EF4-FFF2-40B4-BE49-F238E27FC236}">
-                <a16:creationId xmlns="" xmlns:a16="http://schemas.microsoft.com/office/drawing/2014/main" xmlns:lc="http://schemas.openxmlformats.org/drawingml/2006/lockedCanvas" id="{CB595AB7-6D93-4EAD-92A0-3031DF5ED8F0}"/>
+                <a16:creationId xmlns:lc="http://schemas.openxmlformats.org/drawingml/2006/lockedCanvas" xmlns:a16="http://schemas.microsoft.com/office/drawing/2014/main" xmlns="" id="{CB595AB7-6D93-4EAD-92A0-3031DF5ED8F0}"/>
               </a:ext>
             </a:extLst>
           </p:cNvPr>
@@ -11953,7 +11947,7 @@
           <p:cNvPr id="20" name="Rectangle 19">
             <a:extLst>
               <a:ext uri="{FF2B5EF4-FFF2-40B4-BE49-F238E27FC236}">
-                <a16:creationId xmlns="" xmlns:a16="http://schemas.microsoft.com/office/drawing/2014/main" xmlns:lc="http://schemas.openxmlformats.org/drawingml/2006/lockedCanvas" id="{8CA7EC62-2604-4FC7-A17F-BB31444F97E7}"/>
+                <a16:creationId xmlns:lc="http://schemas.openxmlformats.org/drawingml/2006/lockedCanvas" xmlns:a16="http://schemas.microsoft.com/office/drawing/2014/main" xmlns="" id="{8CA7EC62-2604-4FC7-A17F-BB31444F97E7}"/>
               </a:ext>
             </a:extLst>
           </p:cNvPr>
@@ -12101,7 +12095,7 @@
           <p:cNvPr id="23" name="Rectangle 22">
             <a:extLst>
               <a:ext uri="{FF2B5EF4-FFF2-40B4-BE49-F238E27FC236}">
-                <a16:creationId xmlns="" xmlns:a16="http://schemas.microsoft.com/office/drawing/2014/main" xmlns:lc="http://schemas.openxmlformats.org/drawingml/2006/lockedCanvas" id="{9250EEB3-5F8C-49FF-BD5E-EC3FCABC0AD7}"/>
+                <a16:creationId xmlns:lc="http://schemas.openxmlformats.org/drawingml/2006/lockedCanvas" xmlns:a16="http://schemas.microsoft.com/office/drawing/2014/main" xmlns="" id="{9250EEB3-5F8C-49FF-BD5E-EC3FCABC0AD7}"/>
               </a:ext>
             </a:extLst>
           </p:cNvPr>
@@ -12252,7 +12246,7 @@
           <p:cNvPr id="25" name="Rectangle 24">
             <a:extLst>
               <a:ext uri="{FF2B5EF4-FFF2-40B4-BE49-F238E27FC236}">
-                <a16:creationId xmlns="" xmlns:a16="http://schemas.microsoft.com/office/drawing/2014/main" xmlns:lc="http://schemas.openxmlformats.org/drawingml/2006/lockedCanvas" id="{CBD13BBE-EE67-449B-A02C-23D934ED7EE1}"/>
+                <a16:creationId xmlns:lc="http://schemas.openxmlformats.org/drawingml/2006/lockedCanvas" xmlns:a16="http://schemas.microsoft.com/office/drawing/2014/main" xmlns="" id="{CBD13BBE-EE67-449B-A02C-23D934ED7EE1}"/>
               </a:ext>
             </a:extLst>
           </p:cNvPr>
@@ -12403,7 +12397,7 @@
           <p:cNvPr id="26" name="Rectangle 25">
             <a:extLst>
               <a:ext uri="{FF2B5EF4-FFF2-40B4-BE49-F238E27FC236}">
-                <a16:creationId xmlns="" xmlns:a16="http://schemas.microsoft.com/office/drawing/2014/main" xmlns:lc="http://schemas.openxmlformats.org/drawingml/2006/lockedCanvas" id="{37D93E9D-2ED5-4A31-B5A4-98502B019EC8}"/>
+                <a16:creationId xmlns:lc="http://schemas.openxmlformats.org/drawingml/2006/lockedCanvas" xmlns:a16="http://schemas.microsoft.com/office/drawing/2014/main" xmlns="" id="{37D93E9D-2ED5-4A31-B5A4-98502B019EC8}"/>
               </a:ext>
             </a:extLst>
           </p:cNvPr>
@@ -12554,7 +12548,7 @@
           <p:cNvPr id="27" name="Rectangle 26">
             <a:extLst>
               <a:ext uri="{FF2B5EF4-FFF2-40B4-BE49-F238E27FC236}">
-                <a16:creationId xmlns="" xmlns:a16="http://schemas.microsoft.com/office/drawing/2014/main" xmlns:lc="http://schemas.openxmlformats.org/drawingml/2006/lockedCanvas" id="{F2CA5EA2-C951-4574-A8E1-C924242806CA}"/>
+                <a16:creationId xmlns:lc="http://schemas.openxmlformats.org/drawingml/2006/lockedCanvas" xmlns:a16="http://schemas.microsoft.com/office/drawing/2014/main" xmlns="" id="{F2CA5EA2-C951-4574-A8E1-C924242806CA}"/>
               </a:ext>
             </a:extLst>
           </p:cNvPr>
@@ -12705,7 +12699,7 @@
           <p:cNvPr id="28" name="Rectangle 27">
             <a:extLst>
               <a:ext uri="{FF2B5EF4-FFF2-40B4-BE49-F238E27FC236}">
-                <a16:creationId xmlns="" xmlns:a16="http://schemas.microsoft.com/office/drawing/2014/main" xmlns:lc="http://schemas.openxmlformats.org/drawingml/2006/lockedCanvas" id="{418FA647-6B2B-479A-8DB7-FDEE94687612}"/>
+                <a16:creationId xmlns:lc="http://schemas.openxmlformats.org/drawingml/2006/lockedCanvas" xmlns:a16="http://schemas.microsoft.com/office/drawing/2014/main" xmlns="" id="{418FA647-6B2B-479A-8DB7-FDEE94687612}"/>
               </a:ext>
             </a:extLst>
           </p:cNvPr>
@@ -12862,7 +12856,7 @@
           <p:cNvPr id="29" name="Rectangle 28">
             <a:extLst>
               <a:ext uri="{FF2B5EF4-FFF2-40B4-BE49-F238E27FC236}">
-                <a16:creationId xmlns="" xmlns:a16="http://schemas.microsoft.com/office/drawing/2014/main" xmlns:lc="http://schemas.openxmlformats.org/drawingml/2006/lockedCanvas" id="{0CC6DF50-5FBC-4CF3-AB01-19BB4B107B52}"/>
+                <a16:creationId xmlns:lc="http://schemas.openxmlformats.org/drawingml/2006/lockedCanvas" xmlns:a16="http://schemas.microsoft.com/office/drawing/2014/main" xmlns="" id="{0CC6DF50-5FBC-4CF3-AB01-19BB4B107B52}"/>
               </a:ext>
             </a:extLst>
           </p:cNvPr>
@@ -13019,7 +13013,7 @@
           <p:cNvPr id="30" name="Footer Placeholder 45">
             <a:extLst>
               <a:ext uri="{FF2B5EF4-FFF2-40B4-BE49-F238E27FC236}">
-                <a16:creationId xmlns:a16="http://schemas.microsoft.com/office/drawing/2014/main" xmlns="" id="{90E33047-DFF5-4690-8905-31E4C115EFDC}"/>
+                <a16:creationId xmlns="" xmlns:a16="http://schemas.microsoft.com/office/drawing/2014/main" id="{90E33047-DFF5-4690-8905-31E4C115EFDC}"/>
               </a:ext>
             </a:extLst>
           </p:cNvPr>
@@ -13190,7 +13184,7 @@
           <p:cNvPr id="8" name="Rectangle 4">
             <a:extLst>
               <a:ext uri="{FF2B5EF4-FFF2-40B4-BE49-F238E27FC236}">
-                <a16:creationId xmlns:a16="http://schemas.microsoft.com/office/drawing/2014/main" xmlns="" id="{8D153262-0D22-EE4B-8422-E83531E442C3}"/>
+                <a16:creationId xmlns="" xmlns:a16="http://schemas.microsoft.com/office/drawing/2014/main" id="{8D153262-0D22-EE4B-8422-E83531E442C3}"/>
               </a:ext>
             </a:extLst>
           </p:cNvPr>
@@ -13402,7 +13396,7 @@
           <p:cNvPr id="10" name="TextBox 9">
             <a:extLst>
               <a:ext uri="{FF2B5EF4-FFF2-40B4-BE49-F238E27FC236}">
-                <a16:creationId xmlns:a16="http://schemas.microsoft.com/office/drawing/2014/main" xmlns="" id="{CC39E87A-2CAF-CD41-98DC-4526D06794F9}"/>
+                <a16:creationId xmlns="" xmlns:a16="http://schemas.microsoft.com/office/drawing/2014/main" id="{CC39E87A-2CAF-CD41-98DC-4526D06794F9}"/>
               </a:ext>
             </a:extLst>
           </p:cNvPr>
@@ -13448,7 +13442,7 @@
           <p:cNvPr id="11" name="Picture 10">
             <a:extLst>
               <a:ext uri="{FF2B5EF4-FFF2-40B4-BE49-F238E27FC236}">
-                <a16:creationId xmlns:a16="http://schemas.microsoft.com/office/drawing/2014/main" xmlns="" id="{B632F133-AC7B-4BFC-9A60-F9C1BF83B8C7}"/>
+                <a16:creationId xmlns="" xmlns:a16="http://schemas.microsoft.com/office/drawing/2014/main" id="{B632F133-AC7B-4BFC-9A60-F9C1BF83B8C7}"/>
               </a:ext>
             </a:extLst>
           </p:cNvPr>
@@ -13484,7 +13478,7 @@
           <p:cNvPr id="15" name="Title 1">
             <a:extLst>
               <a:ext uri="{FF2B5EF4-FFF2-40B4-BE49-F238E27FC236}">
-                <a16:creationId xmlns:a16="http://schemas.microsoft.com/office/drawing/2014/main" xmlns="" id="{13EBA3E6-25D4-4BA0-BF9B-28343460C110}"/>
+                <a16:creationId xmlns="" xmlns:a16="http://schemas.microsoft.com/office/drawing/2014/main" id="{13EBA3E6-25D4-4BA0-BF9B-28343460C110}"/>
               </a:ext>
             </a:extLst>
           </p:cNvPr>
@@ -13541,7 +13535,7 @@
           <p:cNvPr id="19" name="TextBox 18">
             <a:extLst>
               <a:ext uri="{FF2B5EF4-FFF2-40B4-BE49-F238E27FC236}">
-                <a16:creationId xmlns:a16="http://schemas.microsoft.com/office/drawing/2014/main" xmlns="" id="{0170E0F5-2AC9-46A0-8FB7-F6F2FAE52514}"/>
+                <a16:creationId xmlns="" xmlns:a16="http://schemas.microsoft.com/office/drawing/2014/main" id="{0170E0F5-2AC9-46A0-8FB7-F6F2FAE52514}"/>
               </a:ext>
             </a:extLst>
           </p:cNvPr>
@@ -13589,7 +13583,7 @@
           <p:cNvPr id="21" name="TextBox 20">
             <a:extLst>
               <a:ext uri="{FF2B5EF4-FFF2-40B4-BE49-F238E27FC236}">
-                <a16:creationId xmlns:a16="http://schemas.microsoft.com/office/drawing/2014/main" xmlns="" id="{414875D0-394E-4AF2-A3E5-0E3479FCA849}"/>
+                <a16:creationId xmlns="" xmlns:a16="http://schemas.microsoft.com/office/drawing/2014/main" id="{414875D0-394E-4AF2-A3E5-0E3479FCA849}"/>
               </a:ext>
             </a:extLst>
           </p:cNvPr>
@@ -13636,7 +13630,7 @@
           <p:cNvPr id="24" name="TextBox 23">
             <a:extLst>
               <a:ext uri="{FF2B5EF4-FFF2-40B4-BE49-F238E27FC236}">
-                <a16:creationId xmlns:a16="http://schemas.microsoft.com/office/drawing/2014/main" xmlns="" id="{B7179A51-5460-4ADA-9A06-1ABE87F06D1D}"/>
+                <a16:creationId xmlns="" xmlns:a16="http://schemas.microsoft.com/office/drawing/2014/main" id="{B7179A51-5460-4ADA-9A06-1ABE87F06D1D}"/>
               </a:ext>
             </a:extLst>
           </p:cNvPr>
@@ -16165,7 +16159,7 @@
           <p:cNvPr id="39" name="Footer Placeholder 45">
             <a:extLst>
               <a:ext uri="{FF2B5EF4-FFF2-40B4-BE49-F238E27FC236}">
-                <a16:creationId xmlns:a16="http://schemas.microsoft.com/office/drawing/2014/main" xmlns="" id="{90E33047-DFF5-4690-8905-31E4C115EFDC}"/>
+                <a16:creationId xmlns="" xmlns:a16="http://schemas.microsoft.com/office/drawing/2014/main" id="{90E33047-DFF5-4690-8905-31E4C115EFDC}"/>
               </a:ext>
             </a:extLst>
           </p:cNvPr>
@@ -16336,7 +16330,7 @@
           <p:cNvPr id="8" name="Rectangle 4">
             <a:extLst>
               <a:ext uri="{FF2B5EF4-FFF2-40B4-BE49-F238E27FC236}">
-                <a16:creationId xmlns:a16="http://schemas.microsoft.com/office/drawing/2014/main" xmlns="" id="{8D153262-0D22-EE4B-8422-E83531E442C3}"/>
+                <a16:creationId xmlns="" xmlns:a16="http://schemas.microsoft.com/office/drawing/2014/main" id="{8D153262-0D22-EE4B-8422-E83531E442C3}"/>
               </a:ext>
             </a:extLst>
           </p:cNvPr>
@@ -16548,7 +16542,7 @@
           <p:cNvPr id="10" name="TextBox 9">
             <a:extLst>
               <a:ext uri="{FF2B5EF4-FFF2-40B4-BE49-F238E27FC236}">
-                <a16:creationId xmlns:a16="http://schemas.microsoft.com/office/drawing/2014/main" xmlns="" id="{CC39E87A-2CAF-CD41-98DC-4526D06794F9}"/>
+                <a16:creationId xmlns="" xmlns:a16="http://schemas.microsoft.com/office/drawing/2014/main" id="{CC39E87A-2CAF-CD41-98DC-4526D06794F9}"/>
               </a:ext>
             </a:extLst>
           </p:cNvPr>
@@ -16594,7 +16588,7 @@
           <p:cNvPr id="11" name="Picture 10">
             <a:extLst>
               <a:ext uri="{FF2B5EF4-FFF2-40B4-BE49-F238E27FC236}">
-                <a16:creationId xmlns:a16="http://schemas.microsoft.com/office/drawing/2014/main" xmlns="" id="{B632F133-AC7B-4BFC-9A60-F9C1BF83B8C7}"/>
+                <a16:creationId xmlns="" xmlns:a16="http://schemas.microsoft.com/office/drawing/2014/main" id="{B632F133-AC7B-4BFC-9A60-F9C1BF83B8C7}"/>
               </a:ext>
             </a:extLst>
           </p:cNvPr>
@@ -16630,7 +16624,7 @@
           <p:cNvPr id="15" name="Title 1">
             <a:extLst>
               <a:ext uri="{FF2B5EF4-FFF2-40B4-BE49-F238E27FC236}">
-                <a16:creationId xmlns:a16="http://schemas.microsoft.com/office/drawing/2014/main" xmlns="" id="{13EBA3E6-25D4-4BA0-BF9B-28343460C110}"/>
+                <a16:creationId xmlns="" xmlns:a16="http://schemas.microsoft.com/office/drawing/2014/main" id="{13EBA3E6-25D4-4BA0-BF9B-28343460C110}"/>
               </a:ext>
             </a:extLst>
           </p:cNvPr>
@@ -16687,7 +16681,7 @@
           <p:cNvPr id="19" name="TextBox 18">
             <a:extLst>
               <a:ext uri="{FF2B5EF4-FFF2-40B4-BE49-F238E27FC236}">
-                <a16:creationId xmlns:a16="http://schemas.microsoft.com/office/drawing/2014/main" xmlns="" id="{0170E0F5-2AC9-46A0-8FB7-F6F2FAE52514}"/>
+                <a16:creationId xmlns="" xmlns:a16="http://schemas.microsoft.com/office/drawing/2014/main" id="{0170E0F5-2AC9-46A0-8FB7-F6F2FAE52514}"/>
               </a:ext>
             </a:extLst>
           </p:cNvPr>
@@ -16735,7 +16729,7 @@
           <p:cNvPr id="21" name="TextBox 20">
             <a:extLst>
               <a:ext uri="{FF2B5EF4-FFF2-40B4-BE49-F238E27FC236}">
-                <a16:creationId xmlns:a16="http://schemas.microsoft.com/office/drawing/2014/main" xmlns="" id="{414875D0-394E-4AF2-A3E5-0E3479FCA849}"/>
+                <a16:creationId xmlns="" xmlns:a16="http://schemas.microsoft.com/office/drawing/2014/main" id="{414875D0-394E-4AF2-A3E5-0E3479FCA849}"/>
               </a:ext>
             </a:extLst>
           </p:cNvPr>
@@ -16782,7 +16776,7 @@
           <p:cNvPr id="22" name="TextBox 21">
             <a:extLst>
               <a:ext uri="{FF2B5EF4-FFF2-40B4-BE49-F238E27FC236}">
-                <a16:creationId xmlns:a16="http://schemas.microsoft.com/office/drawing/2014/main" xmlns="" id="{85D86FD3-2AA8-4AC3-8DC8-6F086208D51C}"/>
+                <a16:creationId xmlns="" xmlns:a16="http://schemas.microsoft.com/office/drawing/2014/main" id="{85D86FD3-2AA8-4AC3-8DC8-6F086208D51C}"/>
               </a:ext>
             </a:extLst>
           </p:cNvPr>
@@ -16830,7 +16824,7 @@
           <p:cNvPr id="24" name="TextBox 23">
             <a:extLst>
               <a:ext uri="{FF2B5EF4-FFF2-40B4-BE49-F238E27FC236}">
-                <a16:creationId xmlns:a16="http://schemas.microsoft.com/office/drawing/2014/main" xmlns="" id="{B7179A51-5460-4ADA-9A06-1ABE87F06D1D}"/>
+                <a16:creationId xmlns="" xmlns:a16="http://schemas.microsoft.com/office/drawing/2014/main" id="{B7179A51-5460-4ADA-9A06-1ABE87F06D1D}"/>
               </a:ext>
             </a:extLst>
           </p:cNvPr>
@@ -17248,7 +17242,7 @@
           <p:cNvPr id="23" name="Footer Placeholder 45">
             <a:extLst>
               <a:ext uri="{FF2B5EF4-FFF2-40B4-BE49-F238E27FC236}">
-                <a16:creationId xmlns:a16="http://schemas.microsoft.com/office/drawing/2014/main" xmlns="" id="{90E33047-DFF5-4690-8905-31E4C115EFDC}"/>
+                <a16:creationId xmlns="" xmlns:a16="http://schemas.microsoft.com/office/drawing/2014/main" id="{90E33047-DFF5-4690-8905-31E4C115EFDC}"/>
               </a:ext>
             </a:extLst>
           </p:cNvPr>
@@ -17419,7 +17413,7 @@
           <p:cNvPr id="8" name="Rectangle 4">
             <a:extLst>
               <a:ext uri="{FF2B5EF4-FFF2-40B4-BE49-F238E27FC236}">
-                <a16:creationId xmlns:a16="http://schemas.microsoft.com/office/drawing/2014/main" xmlns="" id="{8D153262-0D22-EE4B-8422-E83531E442C3}"/>
+                <a16:creationId xmlns="" xmlns:a16="http://schemas.microsoft.com/office/drawing/2014/main" id="{8D153262-0D22-EE4B-8422-E83531E442C3}"/>
               </a:ext>
             </a:extLst>
           </p:cNvPr>
@@ -17631,7 +17625,7 @@
           <p:cNvPr id="10" name="TextBox 9">
             <a:extLst>
               <a:ext uri="{FF2B5EF4-FFF2-40B4-BE49-F238E27FC236}">
-                <a16:creationId xmlns:a16="http://schemas.microsoft.com/office/drawing/2014/main" xmlns="" id="{CC39E87A-2CAF-CD41-98DC-4526D06794F9}"/>
+                <a16:creationId xmlns="" xmlns:a16="http://schemas.microsoft.com/office/drawing/2014/main" id="{CC39E87A-2CAF-CD41-98DC-4526D06794F9}"/>
               </a:ext>
             </a:extLst>
           </p:cNvPr>
@@ -17677,7 +17671,7 @@
           <p:cNvPr id="11" name="Picture 10">
             <a:extLst>
               <a:ext uri="{FF2B5EF4-FFF2-40B4-BE49-F238E27FC236}">
-                <a16:creationId xmlns:a16="http://schemas.microsoft.com/office/drawing/2014/main" xmlns="" id="{B632F133-AC7B-4BFC-9A60-F9C1BF83B8C7}"/>
+                <a16:creationId xmlns="" xmlns:a16="http://schemas.microsoft.com/office/drawing/2014/main" id="{B632F133-AC7B-4BFC-9A60-F9C1BF83B8C7}"/>
               </a:ext>
             </a:extLst>
           </p:cNvPr>
@@ -17713,7 +17707,7 @@
           <p:cNvPr id="15" name="Title 1">
             <a:extLst>
               <a:ext uri="{FF2B5EF4-FFF2-40B4-BE49-F238E27FC236}">
-                <a16:creationId xmlns:a16="http://schemas.microsoft.com/office/drawing/2014/main" xmlns="" id="{13EBA3E6-25D4-4BA0-BF9B-28343460C110}"/>
+                <a16:creationId xmlns="" xmlns:a16="http://schemas.microsoft.com/office/drawing/2014/main" id="{13EBA3E6-25D4-4BA0-BF9B-28343460C110}"/>
               </a:ext>
             </a:extLst>
           </p:cNvPr>
@@ -17770,7 +17764,7 @@
           <p:cNvPr id="19" name="TextBox 18">
             <a:extLst>
               <a:ext uri="{FF2B5EF4-FFF2-40B4-BE49-F238E27FC236}">
-                <a16:creationId xmlns:a16="http://schemas.microsoft.com/office/drawing/2014/main" xmlns="" id="{0170E0F5-2AC9-46A0-8FB7-F6F2FAE52514}"/>
+                <a16:creationId xmlns="" xmlns:a16="http://schemas.microsoft.com/office/drawing/2014/main" id="{0170E0F5-2AC9-46A0-8FB7-F6F2FAE52514}"/>
               </a:ext>
             </a:extLst>
           </p:cNvPr>
@@ -17818,7 +17812,7 @@
           <p:cNvPr id="21" name="TextBox 20">
             <a:extLst>
               <a:ext uri="{FF2B5EF4-FFF2-40B4-BE49-F238E27FC236}">
-                <a16:creationId xmlns:a16="http://schemas.microsoft.com/office/drawing/2014/main" xmlns="" id="{414875D0-394E-4AF2-A3E5-0E3479FCA849}"/>
+                <a16:creationId xmlns="" xmlns:a16="http://schemas.microsoft.com/office/drawing/2014/main" id="{414875D0-394E-4AF2-A3E5-0E3479FCA849}"/>
               </a:ext>
             </a:extLst>
           </p:cNvPr>
@@ -17865,7 +17859,7 @@
           <p:cNvPr id="22" name="TextBox 21">
             <a:extLst>
               <a:ext uri="{FF2B5EF4-FFF2-40B4-BE49-F238E27FC236}">
-                <a16:creationId xmlns:a16="http://schemas.microsoft.com/office/drawing/2014/main" xmlns="" id="{85D86FD3-2AA8-4AC3-8DC8-6F086208D51C}"/>
+                <a16:creationId xmlns="" xmlns:a16="http://schemas.microsoft.com/office/drawing/2014/main" id="{85D86FD3-2AA8-4AC3-8DC8-6F086208D51C}"/>
               </a:ext>
             </a:extLst>
           </p:cNvPr>
@@ -17913,7 +17907,7 @@
           <p:cNvPr id="24" name="TextBox 23">
             <a:extLst>
               <a:ext uri="{FF2B5EF4-FFF2-40B4-BE49-F238E27FC236}">
-                <a16:creationId xmlns:a16="http://schemas.microsoft.com/office/drawing/2014/main" xmlns="" id="{B7179A51-5460-4ADA-9A06-1ABE87F06D1D}"/>
+                <a16:creationId xmlns="" xmlns:a16="http://schemas.microsoft.com/office/drawing/2014/main" id="{B7179A51-5460-4ADA-9A06-1ABE87F06D1D}"/>
               </a:ext>
             </a:extLst>
           </p:cNvPr>
@@ -18100,12 +18094,12 @@
               <a:t>On top of Customer and Agency CDS View we Create Root CDS View </a:t>
             </a:r>
             <a:r>
-              <a:rPr lang="en-US" sz="1800" dirty="0" err="1" smtClean="0"/>
-              <a:t>EntIty</a:t>
-            </a:r>
-            <a:r>
               <a:rPr lang="en-US" sz="1800" dirty="0" smtClean="0"/>
-              <a:t> called “</a:t>
+              <a:t>Entity </a:t>
+            </a:r>
+            <a:r>
+              <a:rPr lang="en-US" sz="1800" dirty="0" smtClean="0"/>
+              <a:t>called “</a:t>
             </a:r>
             <a:r>
               <a:rPr lang="en-US" sz="1800" dirty="0" smtClean="0">
@@ -18147,7 +18141,7 @@
           <p:cNvPr id="18" name="Footer Placeholder 45">
             <a:extLst>
               <a:ext uri="{FF2B5EF4-FFF2-40B4-BE49-F238E27FC236}">
-                <a16:creationId xmlns:a16="http://schemas.microsoft.com/office/drawing/2014/main" xmlns="" id="{90E33047-DFF5-4690-8905-31E4C115EFDC}"/>
+                <a16:creationId xmlns="" xmlns:a16="http://schemas.microsoft.com/office/drawing/2014/main" id="{90E33047-DFF5-4690-8905-31E4C115EFDC}"/>
               </a:ext>
             </a:extLst>
           </p:cNvPr>
@@ -18359,7 +18353,7 @@
           <p:cNvPr id="8" name="Rectangle 4">
             <a:extLst>
               <a:ext uri="{FF2B5EF4-FFF2-40B4-BE49-F238E27FC236}">
-                <a16:creationId xmlns:a16="http://schemas.microsoft.com/office/drawing/2014/main" xmlns="" id="{8D153262-0D22-EE4B-8422-E83531E442C3}"/>
+                <a16:creationId xmlns="" xmlns:a16="http://schemas.microsoft.com/office/drawing/2014/main" id="{8D153262-0D22-EE4B-8422-E83531E442C3}"/>
               </a:ext>
             </a:extLst>
           </p:cNvPr>
@@ -18571,7 +18565,7 @@
           <p:cNvPr id="11" name="Picture 10">
             <a:extLst>
               <a:ext uri="{FF2B5EF4-FFF2-40B4-BE49-F238E27FC236}">
-                <a16:creationId xmlns:a16="http://schemas.microsoft.com/office/drawing/2014/main" xmlns="" id="{B632F133-AC7B-4BFC-9A60-F9C1BF83B8C7}"/>
+                <a16:creationId xmlns="" xmlns:a16="http://schemas.microsoft.com/office/drawing/2014/main" id="{B632F133-AC7B-4BFC-9A60-F9C1BF83B8C7}"/>
               </a:ext>
             </a:extLst>
           </p:cNvPr>
@@ -18607,7 +18601,7 @@
           <p:cNvPr id="15" name="Title 1">
             <a:extLst>
               <a:ext uri="{FF2B5EF4-FFF2-40B4-BE49-F238E27FC236}">
-                <a16:creationId xmlns:a16="http://schemas.microsoft.com/office/drawing/2014/main" xmlns="" id="{13EBA3E6-25D4-4BA0-BF9B-28343460C110}"/>
+                <a16:creationId xmlns="" xmlns:a16="http://schemas.microsoft.com/office/drawing/2014/main" id="{13EBA3E6-25D4-4BA0-BF9B-28343460C110}"/>
               </a:ext>
             </a:extLst>
           </p:cNvPr>
@@ -18670,7 +18664,7 @@
           <p:cNvPr id="12" name="TextBox 11">
             <a:extLst>
               <a:ext uri="{FF2B5EF4-FFF2-40B4-BE49-F238E27FC236}">
-                <a16:creationId xmlns:a16="http://schemas.microsoft.com/office/drawing/2014/main" xmlns="" id="{1E8BD2BC-59B0-4D30-97AE-9B4A2D8F7B41}"/>
+                <a16:creationId xmlns="" xmlns:a16="http://schemas.microsoft.com/office/drawing/2014/main" id="{1E8BD2BC-59B0-4D30-97AE-9B4A2D8F7B41}"/>
               </a:ext>
             </a:extLst>
           </p:cNvPr>
@@ -18791,10 +18785,6 @@
               </a:rPr>
               <a:t>Flow of Development (Unmanaged Scenario)</a:t>
             </a:r>
-            <a:endParaRPr lang="en-US" dirty="0" smtClean="0">
-              <a:latin typeface="Calibri" panose="020F0502020204030204" pitchFamily="34" charset="0"/>
-              <a:cs typeface="Calibri" panose="020F0502020204030204" pitchFamily="34" charset="0"/>
-            </a:endParaRPr>
           </a:p>
           <a:p>
             <a:pPr marL="285750" indent="-285750">
@@ -18808,10 +18798,6 @@
               </a:rPr>
               <a:t>Defining Data Model</a:t>
             </a:r>
-            <a:endParaRPr lang="en-US" dirty="0" smtClean="0">
-              <a:latin typeface="Calibri" panose="020F0502020204030204" pitchFamily="34" charset="0"/>
-              <a:cs typeface="Calibri" panose="020F0502020204030204" pitchFamily="34" charset="0"/>
-            </a:endParaRPr>
           </a:p>
           <a:p>
             <a:pPr marL="285750" indent="-285750">
@@ -18823,19 +18809,8 @@
                 <a:latin typeface="Calibri" panose="020F0502020204030204" pitchFamily="34" charset="0"/>
                 <a:cs typeface="Calibri" panose="020F0502020204030204" pitchFamily="34" charset="0"/>
               </a:rPr>
-              <a:t>Creating OData Service</a:t>
-            </a:r>
-            <a:r>
-              <a:rPr lang="en-US" dirty="0" smtClean="0">
-                <a:latin typeface="Calibri" panose="020F0502020204030204" pitchFamily="34" charset="0"/>
-                <a:cs typeface="Calibri" panose="020F0502020204030204" pitchFamily="34" charset="0"/>
-              </a:rPr>
-              <a:t> </a:t>
-            </a:r>
-            <a:endParaRPr lang="en-US" dirty="0" smtClean="0">
-              <a:latin typeface="Calibri" panose="020F0502020204030204" pitchFamily="34" charset="0"/>
-              <a:cs typeface="Calibri" panose="020F0502020204030204" pitchFamily="34" charset="0"/>
-            </a:endParaRPr>
+              <a:t>Creating OData Service </a:t>
+            </a:r>
           </a:p>
         </p:txBody>
       </p:sp>
@@ -18844,7 +18819,7 @@
           <p:cNvPr id="9" name="Footer Placeholder 45">
             <a:extLst>
               <a:ext uri="{FF2B5EF4-FFF2-40B4-BE49-F238E27FC236}">
-                <a16:creationId xmlns:a16="http://schemas.microsoft.com/office/drawing/2014/main" xmlns="" id="{90E33047-DFF5-4690-8905-31E4C115EFDC}"/>
+                <a16:creationId xmlns="" xmlns:a16="http://schemas.microsoft.com/office/drawing/2014/main" id="{90E33047-DFF5-4690-8905-31E4C115EFDC}"/>
               </a:ext>
             </a:extLst>
           </p:cNvPr>
@@ -19015,7 +18990,7 @@
           <p:cNvPr id="8" name="Rectangle 4">
             <a:extLst>
               <a:ext uri="{FF2B5EF4-FFF2-40B4-BE49-F238E27FC236}">
-                <a16:creationId xmlns:a16="http://schemas.microsoft.com/office/drawing/2014/main" xmlns="" id="{8D153262-0D22-EE4B-8422-E83531E442C3}"/>
+                <a16:creationId xmlns="" xmlns:a16="http://schemas.microsoft.com/office/drawing/2014/main" id="{8D153262-0D22-EE4B-8422-E83531E442C3}"/>
               </a:ext>
             </a:extLst>
           </p:cNvPr>
@@ -19227,7 +19202,7 @@
           <p:cNvPr id="10" name="TextBox 9">
             <a:extLst>
               <a:ext uri="{FF2B5EF4-FFF2-40B4-BE49-F238E27FC236}">
-                <a16:creationId xmlns:a16="http://schemas.microsoft.com/office/drawing/2014/main" xmlns="" id="{CC39E87A-2CAF-CD41-98DC-4526D06794F9}"/>
+                <a16:creationId xmlns="" xmlns:a16="http://schemas.microsoft.com/office/drawing/2014/main" id="{CC39E87A-2CAF-CD41-98DC-4526D06794F9}"/>
               </a:ext>
             </a:extLst>
           </p:cNvPr>
@@ -19273,7 +19248,7 @@
           <p:cNvPr id="11" name="Picture 10">
             <a:extLst>
               <a:ext uri="{FF2B5EF4-FFF2-40B4-BE49-F238E27FC236}">
-                <a16:creationId xmlns:a16="http://schemas.microsoft.com/office/drawing/2014/main" xmlns="" id="{B632F133-AC7B-4BFC-9A60-F9C1BF83B8C7}"/>
+                <a16:creationId xmlns="" xmlns:a16="http://schemas.microsoft.com/office/drawing/2014/main" id="{B632F133-AC7B-4BFC-9A60-F9C1BF83B8C7}"/>
               </a:ext>
             </a:extLst>
           </p:cNvPr>
@@ -19309,7 +19284,7 @@
           <p:cNvPr id="13" name="Footer Placeholder 45">
             <a:extLst>
               <a:ext uri="{FF2B5EF4-FFF2-40B4-BE49-F238E27FC236}">
-                <a16:creationId xmlns:a16="http://schemas.microsoft.com/office/drawing/2014/main" xmlns="" id="{90E33047-DFF5-4690-8905-31E4C115EFDC}"/>
+                <a16:creationId xmlns="" xmlns:a16="http://schemas.microsoft.com/office/drawing/2014/main" id="{90E33047-DFF5-4690-8905-31E4C115EFDC}"/>
               </a:ext>
             </a:extLst>
           </p:cNvPr>
@@ -19443,7 +19418,7 @@
           <p:cNvPr id="15" name="Title 1">
             <a:extLst>
               <a:ext uri="{FF2B5EF4-FFF2-40B4-BE49-F238E27FC236}">
-                <a16:creationId xmlns:a16="http://schemas.microsoft.com/office/drawing/2014/main" xmlns="" id="{13EBA3E6-25D4-4BA0-BF9B-28343460C110}"/>
+                <a16:creationId xmlns="" xmlns:a16="http://schemas.microsoft.com/office/drawing/2014/main" id="{13EBA3E6-25D4-4BA0-BF9B-28343460C110}"/>
               </a:ext>
             </a:extLst>
           </p:cNvPr>
@@ -19500,7 +19475,7 @@
           <p:cNvPr id="19" name="TextBox 18">
             <a:extLst>
               <a:ext uri="{FF2B5EF4-FFF2-40B4-BE49-F238E27FC236}">
-                <a16:creationId xmlns:a16="http://schemas.microsoft.com/office/drawing/2014/main" xmlns="" id="{0170E0F5-2AC9-46A0-8FB7-F6F2FAE52514}"/>
+                <a16:creationId xmlns="" xmlns:a16="http://schemas.microsoft.com/office/drawing/2014/main" id="{0170E0F5-2AC9-46A0-8FB7-F6F2FAE52514}"/>
               </a:ext>
             </a:extLst>
           </p:cNvPr>
@@ -19548,7 +19523,7 @@
           <p:cNvPr id="21" name="TextBox 20">
             <a:extLst>
               <a:ext uri="{FF2B5EF4-FFF2-40B4-BE49-F238E27FC236}">
-                <a16:creationId xmlns:a16="http://schemas.microsoft.com/office/drawing/2014/main" xmlns="" id="{414875D0-394E-4AF2-A3E5-0E3479FCA849}"/>
+                <a16:creationId xmlns="" xmlns:a16="http://schemas.microsoft.com/office/drawing/2014/main" id="{414875D0-394E-4AF2-A3E5-0E3479FCA849}"/>
               </a:ext>
             </a:extLst>
           </p:cNvPr>
@@ -19595,7 +19570,7 @@
           <p:cNvPr id="24" name="TextBox 23">
             <a:extLst>
               <a:ext uri="{FF2B5EF4-FFF2-40B4-BE49-F238E27FC236}">
-                <a16:creationId xmlns:a16="http://schemas.microsoft.com/office/drawing/2014/main" xmlns="" id="{B7179A51-5460-4ADA-9A06-1ABE87F06D1D}"/>
+                <a16:creationId xmlns="" xmlns:a16="http://schemas.microsoft.com/office/drawing/2014/main" id="{B7179A51-5460-4ADA-9A06-1ABE87F06D1D}"/>
               </a:ext>
             </a:extLst>
           </p:cNvPr>
@@ -20395,7 +20370,7 @@
           <p:cNvPr id="8" name="Rectangle 4">
             <a:extLst>
               <a:ext uri="{FF2B5EF4-FFF2-40B4-BE49-F238E27FC236}">
-                <a16:creationId xmlns:a16="http://schemas.microsoft.com/office/drawing/2014/main" xmlns="" id="{8D153262-0D22-EE4B-8422-E83531E442C3}"/>
+                <a16:creationId xmlns="" xmlns:a16="http://schemas.microsoft.com/office/drawing/2014/main" id="{8D153262-0D22-EE4B-8422-E83531E442C3}"/>
               </a:ext>
             </a:extLst>
           </p:cNvPr>
@@ -20607,7 +20582,7 @@
           <p:cNvPr id="11" name="Picture 10">
             <a:extLst>
               <a:ext uri="{FF2B5EF4-FFF2-40B4-BE49-F238E27FC236}">
-                <a16:creationId xmlns:a16="http://schemas.microsoft.com/office/drawing/2014/main" xmlns="" id="{B632F133-AC7B-4BFC-9A60-F9C1BF83B8C7}"/>
+                <a16:creationId xmlns="" xmlns:a16="http://schemas.microsoft.com/office/drawing/2014/main" id="{B632F133-AC7B-4BFC-9A60-F9C1BF83B8C7}"/>
               </a:ext>
             </a:extLst>
           </p:cNvPr>
@@ -20643,7 +20618,7 @@
           <p:cNvPr id="13" name="Footer Placeholder 45">
             <a:extLst>
               <a:ext uri="{FF2B5EF4-FFF2-40B4-BE49-F238E27FC236}">
-                <a16:creationId xmlns:a16="http://schemas.microsoft.com/office/drawing/2014/main" xmlns="" id="{90E33047-DFF5-4690-8905-31E4C115EFDC}"/>
+                <a16:creationId xmlns="" xmlns:a16="http://schemas.microsoft.com/office/drawing/2014/main" id="{90E33047-DFF5-4690-8905-31E4C115EFDC}"/>
               </a:ext>
             </a:extLst>
           </p:cNvPr>
@@ -20777,7 +20752,7 @@
           <p:cNvPr id="15" name="Title 1">
             <a:extLst>
               <a:ext uri="{FF2B5EF4-FFF2-40B4-BE49-F238E27FC236}">
-                <a16:creationId xmlns:a16="http://schemas.microsoft.com/office/drawing/2014/main" xmlns="" id="{13EBA3E6-25D4-4BA0-BF9B-28343460C110}"/>
+                <a16:creationId xmlns="" xmlns:a16="http://schemas.microsoft.com/office/drawing/2014/main" id="{13EBA3E6-25D4-4BA0-BF9B-28343460C110}"/>
               </a:ext>
             </a:extLst>
           </p:cNvPr>
@@ -20834,7 +20809,7 @@
           <p:cNvPr id="19" name="TextBox 18">
             <a:extLst>
               <a:ext uri="{FF2B5EF4-FFF2-40B4-BE49-F238E27FC236}">
-                <a16:creationId xmlns:a16="http://schemas.microsoft.com/office/drawing/2014/main" xmlns="" id="{0170E0F5-2AC9-46A0-8FB7-F6F2FAE52514}"/>
+                <a16:creationId xmlns="" xmlns:a16="http://schemas.microsoft.com/office/drawing/2014/main" id="{0170E0F5-2AC9-46A0-8FB7-F6F2FAE52514}"/>
               </a:ext>
             </a:extLst>
           </p:cNvPr>
@@ -20882,7 +20857,7 @@
           <p:cNvPr id="21" name="TextBox 20">
             <a:extLst>
               <a:ext uri="{FF2B5EF4-FFF2-40B4-BE49-F238E27FC236}">
-                <a16:creationId xmlns:a16="http://schemas.microsoft.com/office/drawing/2014/main" xmlns="" id="{414875D0-394E-4AF2-A3E5-0E3479FCA849}"/>
+                <a16:creationId xmlns="" xmlns:a16="http://schemas.microsoft.com/office/drawing/2014/main" id="{414875D0-394E-4AF2-A3E5-0E3479FCA849}"/>
               </a:ext>
             </a:extLst>
           </p:cNvPr>
@@ -20929,7 +20904,7 @@
           <p:cNvPr id="22" name="TextBox 21">
             <a:extLst>
               <a:ext uri="{FF2B5EF4-FFF2-40B4-BE49-F238E27FC236}">
-                <a16:creationId xmlns:a16="http://schemas.microsoft.com/office/drawing/2014/main" xmlns="" id="{85D86FD3-2AA8-4AC3-8DC8-6F086208D51C}"/>
+                <a16:creationId xmlns="" xmlns:a16="http://schemas.microsoft.com/office/drawing/2014/main" id="{85D86FD3-2AA8-4AC3-8DC8-6F086208D51C}"/>
               </a:ext>
             </a:extLst>
           </p:cNvPr>
@@ -20977,7 +20952,7 @@
           <p:cNvPr id="24" name="TextBox 23">
             <a:extLst>
               <a:ext uri="{FF2B5EF4-FFF2-40B4-BE49-F238E27FC236}">
-                <a16:creationId xmlns:a16="http://schemas.microsoft.com/office/drawing/2014/main" xmlns="" id="{B7179A51-5460-4ADA-9A06-1ABE87F06D1D}"/>
+                <a16:creationId xmlns="" xmlns:a16="http://schemas.microsoft.com/office/drawing/2014/main" id="{B7179A51-5460-4ADA-9A06-1ABE87F06D1D}"/>
               </a:ext>
             </a:extLst>
           </p:cNvPr>
@@ -21207,7 +21182,7 @@
           <p:cNvPr id="4" name="Footer Placeholder 45">
             <a:extLst>
               <a:ext uri="{FF2B5EF4-FFF2-40B4-BE49-F238E27FC236}">
-                <a16:creationId xmlns:a16="http://schemas.microsoft.com/office/drawing/2014/main" xmlns="" id="{90E33047-DFF5-4690-8905-31E4C115EFDC}"/>
+                <a16:creationId xmlns="" xmlns:a16="http://schemas.microsoft.com/office/drawing/2014/main" id="{90E33047-DFF5-4690-8905-31E4C115EFDC}"/>
               </a:ext>
             </a:extLst>
           </p:cNvPr>
@@ -21244,7 +21219,7 @@
           <p:cNvPr id="1028" name="Picture 4" descr="Free Vector | Flat people with question marks background">
             <a:extLst>
               <a:ext uri="{FF2B5EF4-FFF2-40B4-BE49-F238E27FC236}">
-                <a16:creationId xmlns:a16="http://schemas.microsoft.com/office/drawing/2014/main" xmlns="" id="{E158EC70-4769-4E41-A278-C90EC4E480C7}"/>
+                <a16:creationId xmlns="" xmlns:a16="http://schemas.microsoft.com/office/drawing/2014/main" id="{E158EC70-4769-4E41-A278-C90EC4E480C7}"/>
               </a:ext>
             </a:extLst>
           </p:cNvPr>
@@ -21289,7 +21264,7 @@
           <p:cNvPr id="2" name="TextBox 1">
             <a:extLst>
               <a:ext uri="{FF2B5EF4-FFF2-40B4-BE49-F238E27FC236}">
-                <a16:creationId xmlns:a16="http://schemas.microsoft.com/office/drawing/2014/main" xmlns="" id="{994C3DB2-D47E-4B94-804B-87AF1FDEF86E}"/>
+                <a16:creationId xmlns="" xmlns:a16="http://schemas.microsoft.com/office/drawing/2014/main" id="{994C3DB2-D47E-4B94-804B-87AF1FDEF86E}"/>
               </a:ext>
             </a:extLst>
           </p:cNvPr>
@@ -21324,7 +21299,7 @@
           <p:cNvPr id="6" name="Picture 5">
             <a:extLst>
               <a:ext uri="{FF2B5EF4-FFF2-40B4-BE49-F238E27FC236}">
-                <a16:creationId xmlns:a16="http://schemas.microsoft.com/office/drawing/2014/main" xmlns="" id="{B632F133-AC7B-4BFC-9A60-F9C1BF83B8C7}"/>
+                <a16:creationId xmlns="" xmlns:a16="http://schemas.microsoft.com/office/drawing/2014/main" id="{B632F133-AC7B-4BFC-9A60-F9C1BF83B8C7}"/>
               </a:ext>
             </a:extLst>
           </p:cNvPr>
@@ -21397,7 +21372,7 @@
           <p:cNvPr id="3" name="Slide Number Placeholder 2">
             <a:extLst>
               <a:ext uri="{FF2B5EF4-FFF2-40B4-BE49-F238E27FC236}">
-                <a16:creationId xmlns:a16="http://schemas.microsoft.com/office/drawing/2014/main" xmlns="" id="{FBF87C44-1FBE-4DAA-A7F9-A76EA593482A}"/>
+                <a16:creationId xmlns="" xmlns:a16="http://schemas.microsoft.com/office/drawing/2014/main" id="{FBF87C44-1FBE-4DAA-A7F9-A76EA593482A}"/>
               </a:ext>
             </a:extLst>
           </p:cNvPr>
@@ -21432,7 +21407,7 @@
           <p:cNvPr id="11" name="Picture Placeholder 10">
             <a:extLst>
               <a:ext uri="{FF2B5EF4-FFF2-40B4-BE49-F238E27FC236}">
-                <a16:creationId xmlns:a16="http://schemas.microsoft.com/office/drawing/2014/main" xmlns="" id="{69A8831E-7EB2-484A-9D01-F802C8B71C90}"/>
+                <a16:creationId xmlns="" xmlns:a16="http://schemas.microsoft.com/office/drawing/2014/main" id="{69A8831E-7EB2-484A-9D01-F802C8B71C90}"/>
               </a:ext>
             </a:extLst>
           </p:cNvPr>
@@ -21463,7 +21438,7 @@
           <p:cNvPr id="54" name="Freeform 6">
             <a:extLst>
               <a:ext uri="{FF2B5EF4-FFF2-40B4-BE49-F238E27FC236}">
-                <a16:creationId xmlns:a16="http://schemas.microsoft.com/office/drawing/2014/main" xmlns="" id="{7CEA75D0-6AAF-4DF6-A668-7EE782A30A1F}"/>
+                <a16:creationId xmlns="" xmlns:a16="http://schemas.microsoft.com/office/drawing/2014/main" id="{7CEA75D0-6AAF-4DF6-A668-7EE782A30A1F}"/>
               </a:ext>
             </a:extLst>
           </p:cNvPr>
@@ -21578,7 +21553,7 @@
           <p:cNvPr id="55" name="Freeform 6">
             <a:extLst>
               <a:ext uri="{FF2B5EF4-FFF2-40B4-BE49-F238E27FC236}">
-                <a16:creationId xmlns:a16="http://schemas.microsoft.com/office/drawing/2014/main" xmlns="" id="{8A72FFBC-FC4F-4574-BCE4-075EBD782D1B}"/>
+                <a16:creationId xmlns="" xmlns:a16="http://schemas.microsoft.com/office/drawing/2014/main" id="{8A72FFBC-FC4F-4574-BCE4-075EBD782D1B}"/>
               </a:ext>
             </a:extLst>
           </p:cNvPr>
@@ -21693,7 +21668,7 @@
           <p:cNvPr id="13" name="TextBox 12">
             <a:extLst>
               <a:ext uri="{FF2B5EF4-FFF2-40B4-BE49-F238E27FC236}">
-                <a16:creationId xmlns:a16="http://schemas.microsoft.com/office/drawing/2014/main" xmlns="" id="{0F67A00B-35E2-4D67-8B7B-F211152C2584}"/>
+                <a16:creationId xmlns="" xmlns:a16="http://schemas.microsoft.com/office/drawing/2014/main" id="{0F67A00B-35E2-4D67-8B7B-F211152C2584}"/>
               </a:ext>
             </a:extLst>
           </p:cNvPr>
@@ -21733,7 +21708,7 @@
           <p:cNvPr id="56" name="Rectangle 55">
             <a:extLst>
               <a:ext uri="{FF2B5EF4-FFF2-40B4-BE49-F238E27FC236}">
-                <a16:creationId xmlns:a16="http://schemas.microsoft.com/office/drawing/2014/main" xmlns="" id="{56D1A3A5-8C05-4459-89DF-E277F89F72B6}"/>
+                <a16:creationId xmlns="" xmlns:a16="http://schemas.microsoft.com/office/drawing/2014/main" id="{56D1A3A5-8C05-4459-89DF-E277F89F72B6}"/>
               </a:ext>
             </a:extLst>
           </p:cNvPr>
@@ -21773,7 +21748,7 @@
           <p:cNvPr id="57" name="Rectangle 56">
             <a:extLst>
               <a:ext uri="{FF2B5EF4-FFF2-40B4-BE49-F238E27FC236}">
-                <a16:creationId xmlns:a16="http://schemas.microsoft.com/office/drawing/2014/main" xmlns="" id="{0B5C7820-2097-40EE-8A3C-5CC9DEF512EB}"/>
+                <a16:creationId xmlns="" xmlns:a16="http://schemas.microsoft.com/office/drawing/2014/main" id="{0B5C7820-2097-40EE-8A3C-5CC9DEF512EB}"/>
               </a:ext>
             </a:extLst>
           </p:cNvPr>
@@ -21811,7 +21786,7 @@
           <p:cNvPr id="2" name="TextBox 1">
             <a:extLst>
               <a:ext uri="{FF2B5EF4-FFF2-40B4-BE49-F238E27FC236}">
-                <a16:creationId xmlns:a16="http://schemas.microsoft.com/office/drawing/2014/main" xmlns="" id="{811821F5-9F15-4420-A5A9-063F4D7930EB}"/>
+                <a16:creationId xmlns="" xmlns:a16="http://schemas.microsoft.com/office/drawing/2014/main" id="{811821F5-9F15-4420-A5A9-063F4D7930EB}"/>
               </a:ext>
             </a:extLst>
           </p:cNvPr>
@@ -21853,7 +21828,7 @@
           <p:cNvPr id="10" name="Picture 9">
             <a:extLst>
               <a:ext uri="{FF2B5EF4-FFF2-40B4-BE49-F238E27FC236}">
-                <a16:creationId xmlns:a16="http://schemas.microsoft.com/office/drawing/2014/main" xmlns="" id="{76507F6D-CAA6-4D86-8B9B-572298053C71}"/>
+                <a16:creationId xmlns="" xmlns:a16="http://schemas.microsoft.com/office/drawing/2014/main" id="{76507F6D-CAA6-4D86-8B9B-572298053C71}"/>
               </a:ext>
             </a:extLst>
           </p:cNvPr>
@@ -21926,7 +21901,7 @@
           <p:cNvPr id="7" name="Right Triangle 6">
             <a:extLst>
               <a:ext uri="{FF2B5EF4-FFF2-40B4-BE49-F238E27FC236}">
-                <a16:creationId xmlns:a16="http://schemas.microsoft.com/office/drawing/2014/main" xmlns="" id="{EAF14BF4-9A45-8B4E-AA65-A815CC72E5A3}"/>
+                <a16:creationId xmlns="" xmlns:a16="http://schemas.microsoft.com/office/drawing/2014/main" id="{EAF14BF4-9A45-8B4E-AA65-A815CC72E5A3}"/>
               </a:ext>
             </a:extLst>
           </p:cNvPr>
@@ -22007,7 +21982,7 @@
           <p:cNvPr id="2" name="Picture Placeholder 1">
             <a:extLst>
               <a:ext uri="{FF2B5EF4-FFF2-40B4-BE49-F238E27FC236}">
-                <a16:creationId xmlns:a16="http://schemas.microsoft.com/office/drawing/2014/main" xmlns="" id="{5901FB9E-D5D8-0E42-9064-309ADD0ECF57}"/>
+                <a16:creationId xmlns="" xmlns:a16="http://schemas.microsoft.com/office/drawing/2014/main" id="{5901FB9E-D5D8-0E42-9064-309ADD0ECF57}"/>
               </a:ext>
             </a:extLst>
           </p:cNvPr>
@@ -22030,7 +22005,7 @@
           <p:cNvPr id="4" name="Picture 3">
             <a:extLst>
               <a:ext uri="{FF2B5EF4-FFF2-40B4-BE49-F238E27FC236}">
-                <a16:creationId xmlns:a16="http://schemas.microsoft.com/office/drawing/2014/main" xmlns="" id="{520F6EAF-BDD9-FA40-9881-470C78C023CA}"/>
+                <a16:creationId xmlns="" xmlns:a16="http://schemas.microsoft.com/office/drawing/2014/main" id="{520F6EAF-BDD9-FA40-9881-470C78C023CA}"/>
               </a:ext>
             </a:extLst>
           </p:cNvPr>
@@ -22065,7 +22040,7 @@
           <p:cNvPr id="20" name="Rectangle 19">
             <a:extLst>
               <a:ext uri="{FF2B5EF4-FFF2-40B4-BE49-F238E27FC236}">
-                <a16:creationId xmlns:a16="http://schemas.microsoft.com/office/drawing/2014/main" xmlns="" id="{7D8E97E7-E23C-4E4A-A0AF-1C43E32D5148}"/>
+                <a16:creationId xmlns="" xmlns:a16="http://schemas.microsoft.com/office/drawing/2014/main" id="{7D8E97E7-E23C-4E4A-A0AF-1C43E32D5148}"/>
               </a:ext>
             </a:extLst>
           </p:cNvPr>
@@ -22159,7 +22134,7 @@
           <p:cNvPr id="35" name="Rectangle 34">
             <a:extLst>
               <a:ext uri="{FF2B5EF4-FFF2-40B4-BE49-F238E27FC236}">
-                <a16:creationId xmlns:a16="http://schemas.microsoft.com/office/drawing/2014/main" xmlns="" id="{F6FFC3F4-1A5C-6446-9CE3-98CE002CFF5F}"/>
+                <a16:creationId xmlns="" xmlns:a16="http://schemas.microsoft.com/office/drawing/2014/main" id="{F6FFC3F4-1A5C-6446-9CE3-98CE002CFF5F}"/>
               </a:ext>
             </a:extLst>
           </p:cNvPr>
@@ -22259,7 +22234,7 @@
           <p:cNvPr id="6" name="Rectangle 5">
             <a:extLst>
               <a:ext uri="{FF2B5EF4-FFF2-40B4-BE49-F238E27FC236}">
-                <a16:creationId xmlns:a16="http://schemas.microsoft.com/office/drawing/2014/main" xmlns="" id="{7A91E6F4-0EB3-3446-B962-79A0A253F3F7}"/>
+                <a16:creationId xmlns="" xmlns:a16="http://schemas.microsoft.com/office/drawing/2014/main" id="{7A91E6F4-0EB3-3446-B962-79A0A253F3F7}"/>
               </a:ext>
             </a:extLst>
           </p:cNvPr>
@@ -22341,7 +22316,7 @@
           <p:cNvPr id="40" name="Rectangle 39">
             <a:extLst>
               <a:ext uri="{FF2B5EF4-FFF2-40B4-BE49-F238E27FC236}">
-                <a16:creationId xmlns:a16="http://schemas.microsoft.com/office/drawing/2014/main" xmlns="" id="{89EED0AA-D6A0-854A-9888-8400B6D1FE48}"/>
+                <a16:creationId xmlns="" xmlns:a16="http://schemas.microsoft.com/office/drawing/2014/main" id="{89EED0AA-D6A0-854A-9888-8400B6D1FE48}"/>
               </a:ext>
             </a:extLst>
           </p:cNvPr>
@@ -22441,7 +22416,7 @@
           <p:cNvPr id="49" name="Rectangle 48">
             <a:extLst>
               <a:ext uri="{FF2B5EF4-FFF2-40B4-BE49-F238E27FC236}">
-                <a16:creationId xmlns:a16="http://schemas.microsoft.com/office/drawing/2014/main" xmlns="" id="{DFBD6F02-53D0-BF4D-BF2A-4BD3E0AC1D30}"/>
+                <a16:creationId xmlns="" xmlns:a16="http://schemas.microsoft.com/office/drawing/2014/main" id="{DFBD6F02-53D0-BF4D-BF2A-4BD3E0AC1D30}"/>
               </a:ext>
             </a:extLst>
           </p:cNvPr>
@@ -22541,7 +22516,7 @@
           <p:cNvPr id="75" name="Rectangle 74">
             <a:extLst>
               <a:ext uri="{FF2B5EF4-FFF2-40B4-BE49-F238E27FC236}">
-                <a16:creationId xmlns:a16="http://schemas.microsoft.com/office/drawing/2014/main" xmlns="" id="{B3EFFD71-D9A6-F843-8D97-4553654A0BAE}"/>
+                <a16:creationId xmlns="" xmlns:a16="http://schemas.microsoft.com/office/drawing/2014/main" id="{B3EFFD71-D9A6-F843-8D97-4553654A0BAE}"/>
               </a:ext>
             </a:extLst>
           </p:cNvPr>
@@ -22641,7 +22616,7 @@
           <p:cNvPr id="9" name="Picture 8">
             <a:extLst>
               <a:ext uri="{FF2B5EF4-FFF2-40B4-BE49-F238E27FC236}">
-                <a16:creationId xmlns:a16="http://schemas.microsoft.com/office/drawing/2014/main" xmlns="" id="{6BBB1580-5754-8F41-9AD0-21D8AE6FD293}"/>
+                <a16:creationId xmlns="" xmlns:a16="http://schemas.microsoft.com/office/drawing/2014/main" id="{6BBB1580-5754-8F41-9AD0-21D8AE6FD293}"/>
               </a:ext>
             </a:extLst>
           </p:cNvPr>
@@ -22678,7 +22653,7 @@
           <p:cNvPr id="11" name="Picture 10">
             <a:extLst>
               <a:ext uri="{FF2B5EF4-FFF2-40B4-BE49-F238E27FC236}">
-                <a16:creationId xmlns:a16="http://schemas.microsoft.com/office/drawing/2014/main" xmlns="" id="{465C330F-D3B3-C54E-A760-411AF08F9062}"/>
+                <a16:creationId xmlns="" xmlns:a16="http://schemas.microsoft.com/office/drawing/2014/main" id="{465C330F-D3B3-C54E-A760-411AF08F9062}"/>
               </a:ext>
             </a:extLst>
           </p:cNvPr>
@@ -22845,7 +22820,7 @@
           <p:cNvPr id="54" name="Rectangle 53">
             <a:extLst>
               <a:ext uri="{FF2B5EF4-FFF2-40B4-BE49-F238E27FC236}">
-                <a16:creationId xmlns:a16="http://schemas.microsoft.com/office/drawing/2014/main" xmlns="" id="{29B88429-5E3E-E649-B2EC-6D73DF20380B}"/>
+                <a16:creationId xmlns="" xmlns:a16="http://schemas.microsoft.com/office/drawing/2014/main" id="{29B88429-5E3E-E649-B2EC-6D73DF20380B}"/>
               </a:ext>
             </a:extLst>
           </p:cNvPr>
@@ -22945,7 +22920,7 @@
           <p:cNvPr id="56" name="Picture 55">
             <a:extLst>
               <a:ext uri="{FF2B5EF4-FFF2-40B4-BE49-F238E27FC236}">
-                <a16:creationId xmlns:a16="http://schemas.microsoft.com/office/drawing/2014/main" xmlns="" id="{A2992D5F-5E6B-654B-9458-11A35BA426B5}"/>
+                <a16:creationId xmlns="" xmlns:a16="http://schemas.microsoft.com/office/drawing/2014/main" id="{A2992D5F-5E6B-654B-9458-11A35BA426B5}"/>
               </a:ext>
             </a:extLst>
           </p:cNvPr>
@@ -22982,7 +22957,7 @@
           <p:cNvPr id="8" name="Group 13">
             <a:extLst>
               <a:ext uri="{FF2B5EF4-FFF2-40B4-BE49-F238E27FC236}">
-                <a16:creationId xmlns:a16="http://schemas.microsoft.com/office/drawing/2014/main" xmlns="" id="{C4CE162D-F9BF-9140-A233-D39001B36CFD}"/>
+                <a16:creationId xmlns="" xmlns:a16="http://schemas.microsoft.com/office/drawing/2014/main" id="{C4CE162D-F9BF-9140-A233-D39001B36CFD}"/>
               </a:ext>
             </a:extLst>
           </p:cNvPr>
@@ -23002,7 +22977,7 @@
             <p:cNvPr id="19" name="Picture 18">
               <a:extLst>
                 <a:ext uri="{FF2B5EF4-FFF2-40B4-BE49-F238E27FC236}">
-                  <a16:creationId xmlns:a16="http://schemas.microsoft.com/office/drawing/2014/main" xmlns="" id="{62C3C8DA-341B-5A4B-82D2-EE674B9C2DAF}"/>
+                  <a16:creationId xmlns="" xmlns:a16="http://schemas.microsoft.com/office/drawing/2014/main" id="{62C3C8DA-341B-5A4B-82D2-EE674B9C2DAF}"/>
                 </a:ext>
               </a:extLst>
             </p:cNvPr>
@@ -23032,7 +23007,7 @@
             <p:cNvPr id="13" name="Picture 12">
               <a:extLst>
                 <a:ext uri="{FF2B5EF4-FFF2-40B4-BE49-F238E27FC236}">
-                  <a16:creationId xmlns:a16="http://schemas.microsoft.com/office/drawing/2014/main" xmlns="" id="{3F68CD41-8EF3-B443-924E-319DE8B16892}"/>
+                  <a16:creationId xmlns="" xmlns:a16="http://schemas.microsoft.com/office/drawing/2014/main" id="{3F68CD41-8EF3-B443-924E-319DE8B16892}"/>
                 </a:ext>
               </a:extLst>
             </p:cNvPr>
@@ -23068,7 +23043,7 @@
           <p:cNvPr id="3" name="Rectangle 2">
             <a:extLst>
               <a:ext uri="{FF2B5EF4-FFF2-40B4-BE49-F238E27FC236}">
-                <a16:creationId xmlns:a16="http://schemas.microsoft.com/office/drawing/2014/main" xmlns="" id="{34C82462-A6A9-9F40-B874-C2786492A285}"/>
+                <a16:creationId xmlns="" xmlns:a16="http://schemas.microsoft.com/office/drawing/2014/main" id="{34C82462-A6A9-9F40-B874-C2786492A285}"/>
               </a:ext>
             </a:extLst>
           </p:cNvPr>
@@ -23150,7 +23125,7 @@
             <a:hlinkClick r:id="rId9"/>
             <a:extLst>
               <a:ext uri="{FF2B5EF4-FFF2-40B4-BE49-F238E27FC236}">
-                <a16:creationId xmlns:a16="http://schemas.microsoft.com/office/drawing/2014/main" xmlns="" id="{B7D41E04-1B35-BD4F-8B37-C6CC88C6B995}"/>
+                <a16:creationId xmlns="" xmlns:a16="http://schemas.microsoft.com/office/drawing/2014/main" id="{B7D41E04-1B35-BD4F-8B37-C6CC88C6B995}"/>
               </a:ext>
             </a:extLst>
           </p:cNvPr>
@@ -23234,7 +23209,7 @@
           <p:cNvPr id="5" name="Rectangle 4">
             <a:extLst>
               <a:ext uri="{FF2B5EF4-FFF2-40B4-BE49-F238E27FC236}">
-                <a16:creationId xmlns:a16="http://schemas.microsoft.com/office/drawing/2014/main" xmlns="" id="{6AA9D7C5-0368-6645-B73F-D51BF9C01567}"/>
+                <a16:creationId xmlns="" xmlns:a16="http://schemas.microsoft.com/office/drawing/2014/main" id="{6AA9D7C5-0368-6645-B73F-D51BF9C01567}"/>
               </a:ext>
             </a:extLst>
           </p:cNvPr>
@@ -23312,7 +23287,7 @@
           <p:cNvPr id="24" name="Picture 23">
             <a:extLst>
               <a:ext uri="{FF2B5EF4-FFF2-40B4-BE49-F238E27FC236}">
-                <a16:creationId xmlns:a16="http://schemas.microsoft.com/office/drawing/2014/main" xmlns="" id="{50EE5CC4-6884-48A9-8EE9-C0C15B8FD140}"/>
+                <a16:creationId xmlns="" xmlns:a16="http://schemas.microsoft.com/office/drawing/2014/main" id="{50EE5CC4-6884-48A9-8EE9-C0C15B8FD140}"/>
               </a:ext>
             </a:extLst>
           </p:cNvPr>
@@ -23385,7 +23360,7 @@
           <p:cNvPr id="4" name="TextBox 3">
             <a:extLst>
               <a:ext uri="{FF2B5EF4-FFF2-40B4-BE49-F238E27FC236}">
-                <a16:creationId xmlns:a16="http://schemas.microsoft.com/office/drawing/2014/main" xmlns="" id="{3C8A4613-6F8A-40A2-B2DE-12F49D2C9098}"/>
+                <a16:creationId xmlns="" xmlns:a16="http://schemas.microsoft.com/office/drawing/2014/main" id="{3C8A4613-6F8A-40A2-B2DE-12F49D2C9098}"/>
               </a:ext>
             </a:extLst>
           </p:cNvPr>
@@ -23423,7 +23398,7 @@
             <a:hlinkClick r:id="rId2"/>
             <a:extLst>
               <a:ext uri="{FF2B5EF4-FFF2-40B4-BE49-F238E27FC236}">
-                <a16:creationId xmlns:a16="http://schemas.microsoft.com/office/drawing/2014/main" xmlns="" id="{3C11E744-8456-4A37-9BA0-092AF3415D40}"/>
+                <a16:creationId xmlns="" xmlns:a16="http://schemas.microsoft.com/office/drawing/2014/main" id="{3C11E744-8456-4A37-9BA0-092AF3415D40}"/>
               </a:ext>
             </a:extLst>
           </p:cNvPr>
@@ -23464,7 +23439,7 @@
             <a:hlinkClick r:id="rId4"/>
             <a:extLst>
               <a:ext uri="{FF2B5EF4-FFF2-40B4-BE49-F238E27FC236}">
-                <a16:creationId xmlns:a16="http://schemas.microsoft.com/office/drawing/2014/main" xmlns="" id="{D78BFE9E-91A1-40B2-B91E-34E16BAEAB5A}"/>
+                <a16:creationId xmlns="" xmlns:a16="http://schemas.microsoft.com/office/drawing/2014/main" id="{D78BFE9E-91A1-40B2-B91E-34E16BAEAB5A}"/>
               </a:ext>
             </a:extLst>
           </p:cNvPr>
@@ -23505,7 +23480,7 @@
             <a:hlinkClick r:id="rId6"/>
             <a:extLst>
               <a:ext uri="{FF2B5EF4-FFF2-40B4-BE49-F238E27FC236}">
-                <a16:creationId xmlns:a16="http://schemas.microsoft.com/office/drawing/2014/main" xmlns="" id="{4B4996AA-9A5C-4627-ABFF-5F312BFC766D}"/>
+                <a16:creationId xmlns="" xmlns:a16="http://schemas.microsoft.com/office/drawing/2014/main" id="{4B4996AA-9A5C-4627-ABFF-5F312BFC766D}"/>
               </a:ext>
             </a:extLst>
           </p:cNvPr>
@@ -23546,7 +23521,7 @@
             <a:hlinkClick r:id="rId8"/>
             <a:extLst>
               <a:ext uri="{FF2B5EF4-FFF2-40B4-BE49-F238E27FC236}">
-                <a16:creationId xmlns:a16="http://schemas.microsoft.com/office/drawing/2014/main" xmlns="" id="{82B165D0-C409-4669-9E36-D2FB63835D83}"/>
+                <a16:creationId xmlns="" xmlns:a16="http://schemas.microsoft.com/office/drawing/2014/main" id="{82B165D0-C409-4669-9E36-D2FB63835D83}"/>
               </a:ext>
             </a:extLst>
           </p:cNvPr>
@@ -23617,7 +23592,7 @@
           <p:cNvPr id="8" name="Rectangle 4">
             <a:extLst>
               <a:ext uri="{FF2B5EF4-FFF2-40B4-BE49-F238E27FC236}">
-                <a16:creationId xmlns:a16="http://schemas.microsoft.com/office/drawing/2014/main" xmlns="" id="{8D153262-0D22-EE4B-8422-E83531E442C3}"/>
+                <a16:creationId xmlns="" xmlns:a16="http://schemas.microsoft.com/office/drawing/2014/main" id="{8D153262-0D22-EE4B-8422-E83531E442C3}"/>
               </a:ext>
             </a:extLst>
           </p:cNvPr>
@@ -23829,7 +23804,7 @@
           <p:cNvPr id="10" name="TextBox 9">
             <a:extLst>
               <a:ext uri="{FF2B5EF4-FFF2-40B4-BE49-F238E27FC236}">
-                <a16:creationId xmlns:a16="http://schemas.microsoft.com/office/drawing/2014/main" xmlns="" id="{CC39E87A-2CAF-CD41-98DC-4526D06794F9}"/>
+                <a16:creationId xmlns="" xmlns:a16="http://schemas.microsoft.com/office/drawing/2014/main" id="{CC39E87A-2CAF-CD41-98DC-4526D06794F9}"/>
               </a:ext>
             </a:extLst>
           </p:cNvPr>
@@ -23875,7 +23850,7 @@
           <p:cNvPr id="11" name="Picture 10">
             <a:extLst>
               <a:ext uri="{FF2B5EF4-FFF2-40B4-BE49-F238E27FC236}">
-                <a16:creationId xmlns:a16="http://schemas.microsoft.com/office/drawing/2014/main" xmlns="" id="{B632F133-AC7B-4BFC-9A60-F9C1BF83B8C7}"/>
+                <a16:creationId xmlns="" xmlns:a16="http://schemas.microsoft.com/office/drawing/2014/main" id="{B632F133-AC7B-4BFC-9A60-F9C1BF83B8C7}"/>
               </a:ext>
             </a:extLst>
           </p:cNvPr>
@@ -23911,7 +23886,7 @@
           <p:cNvPr id="15" name="Title 1">
             <a:extLst>
               <a:ext uri="{FF2B5EF4-FFF2-40B4-BE49-F238E27FC236}">
-                <a16:creationId xmlns:a16="http://schemas.microsoft.com/office/drawing/2014/main" xmlns="" id="{13EBA3E6-25D4-4BA0-BF9B-28343460C110}"/>
+                <a16:creationId xmlns="" xmlns:a16="http://schemas.microsoft.com/office/drawing/2014/main" id="{13EBA3E6-25D4-4BA0-BF9B-28343460C110}"/>
               </a:ext>
             </a:extLst>
           </p:cNvPr>
@@ -23968,7 +23943,7 @@
           <p:cNvPr id="24" name="TextBox 23">
             <a:extLst>
               <a:ext uri="{FF2B5EF4-FFF2-40B4-BE49-F238E27FC236}">
-                <a16:creationId xmlns:a16="http://schemas.microsoft.com/office/drawing/2014/main" xmlns="" id="{B7179A51-5460-4ADA-9A06-1ABE87F06D1D}"/>
+                <a16:creationId xmlns="" xmlns:a16="http://schemas.microsoft.com/office/drawing/2014/main" id="{B7179A51-5460-4ADA-9A06-1ABE87F06D1D}"/>
               </a:ext>
             </a:extLst>
           </p:cNvPr>
@@ -24196,7 +24171,7 @@
           <p:cNvPr id="18" name="Footer Placeholder 45">
             <a:extLst>
               <a:ext uri="{FF2B5EF4-FFF2-40B4-BE49-F238E27FC236}">
-                <a16:creationId xmlns:a16="http://schemas.microsoft.com/office/drawing/2014/main" xmlns="" id="{90E33047-DFF5-4690-8905-31E4C115EFDC}"/>
+                <a16:creationId xmlns="" xmlns:a16="http://schemas.microsoft.com/office/drawing/2014/main" id="{90E33047-DFF5-4690-8905-31E4C115EFDC}"/>
               </a:ext>
             </a:extLst>
           </p:cNvPr>
@@ -24367,7 +24342,7 @@
           <p:cNvPr id="8" name="Rectangle 4">
             <a:extLst>
               <a:ext uri="{FF2B5EF4-FFF2-40B4-BE49-F238E27FC236}">
-                <a16:creationId xmlns:a16="http://schemas.microsoft.com/office/drawing/2014/main" xmlns="" id="{8D153262-0D22-EE4B-8422-E83531E442C3}"/>
+                <a16:creationId xmlns="" xmlns:a16="http://schemas.microsoft.com/office/drawing/2014/main" id="{8D153262-0D22-EE4B-8422-E83531E442C3}"/>
               </a:ext>
             </a:extLst>
           </p:cNvPr>
@@ -24579,7 +24554,7 @@
           <p:cNvPr id="10" name="TextBox 9">
             <a:extLst>
               <a:ext uri="{FF2B5EF4-FFF2-40B4-BE49-F238E27FC236}">
-                <a16:creationId xmlns:a16="http://schemas.microsoft.com/office/drawing/2014/main" xmlns="" id="{CC39E87A-2CAF-CD41-98DC-4526D06794F9}"/>
+                <a16:creationId xmlns="" xmlns:a16="http://schemas.microsoft.com/office/drawing/2014/main" id="{CC39E87A-2CAF-CD41-98DC-4526D06794F9}"/>
               </a:ext>
             </a:extLst>
           </p:cNvPr>
@@ -24625,7 +24600,7 @@
           <p:cNvPr id="11" name="Picture 10">
             <a:extLst>
               <a:ext uri="{FF2B5EF4-FFF2-40B4-BE49-F238E27FC236}">
-                <a16:creationId xmlns:a16="http://schemas.microsoft.com/office/drawing/2014/main" xmlns="" id="{B632F133-AC7B-4BFC-9A60-F9C1BF83B8C7}"/>
+                <a16:creationId xmlns="" xmlns:a16="http://schemas.microsoft.com/office/drawing/2014/main" id="{B632F133-AC7B-4BFC-9A60-F9C1BF83B8C7}"/>
               </a:ext>
             </a:extLst>
           </p:cNvPr>
@@ -24661,7 +24636,7 @@
           <p:cNvPr id="15" name="Title 1">
             <a:extLst>
               <a:ext uri="{FF2B5EF4-FFF2-40B4-BE49-F238E27FC236}">
-                <a16:creationId xmlns:a16="http://schemas.microsoft.com/office/drawing/2014/main" xmlns="" id="{13EBA3E6-25D4-4BA0-BF9B-28343460C110}"/>
+                <a16:creationId xmlns="" xmlns:a16="http://schemas.microsoft.com/office/drawing/2014/main" id="{13EBA3E6-25D4-4BA0-BF9B-28343460C110}"/>
               </a:ext>
             </a:extLst>
           </p:cNvPr>
@@ -24718,7 +24693,7 @@
           <p:cNvPr id="21" name="TextBox 20">
             <a:extLst>
               <a:ext uri="{FF2B5EF4-FFF2-40B4-BE49-F238E27FC236}">
-                <a16:creationId xmlns:a16="http://schemas.microsoft.com/office/drawing/2014/main" xmlns="" id="{414875D0-394E-4AF2-A3E5-0E3479FCA849}"/>
+                <a16:creationId xmlns="" xmlns:a16="http://schemas.microsoft.com/office/drawing/2014/main" id="{414875D0-394E-4AF2-A3E5-0E3479FCA849}"/>
               </a:ext>
             </a:extLst>
           </p:cNvPr>
@@ -24765,7 +24740,7 @@
           <p:cNvPr id="24" name="TextBox 23">
             <a:extLst>
               <a:ext uri="{FF2B5EF4-FFF2-40B4-BE49-F238E27FC236}">
-                <a16:creationId xmlns:a16="http://schemas.microsoft.com/office/drawing/2014/main" xmlns="" id="{B7179A51-5460-4ADA-9A06-1ABE87F06D1D}"/>
+                <a16:creationId xmlns="" xmlns:a16="http://schemas.microsoft.com/office/drawing/2014/main" id="{B7179A51-5460-4ADA-9A06-1ABE87F06D1D}"/>
               </a:ext>
             </a:extLst>
           </p:cNvPr>
@@ -24962,7 +24937,7 @@
           <p:cNvPr id="16" name="Footer Placeholder 45">
             <a:extLst>
               <a:ext uri="{FF2B5EF4-FFF2-40B4-BE49-F238E27FC236}">
-                <a16:creationId xmlns:a16="http://schemas.microsoft.com/office/drawing/2014/main" xmlns="" id="{90E33047-DFF5-4690-8905-31E4C115EFDC}"/>
+                <a16:creationId xmlns="" xmlns:a16="http://schemas.microsoft.com/office/drawing/2014/main" id="{90E33047-DFF5-4690-8905-31E4C115EFDC}"/>
               </a:ext>
             </a:extLst>
           </p:cNvPr>
@@ -25133,7 +25108,7 @@
           <p:cNvPr id="8" name="Rectangle 4">
             <a:extLst>
               <a:ext uri="{FF2B5EF4-FFF2-40B4-BE49-F238E27FC236}">
-                <a16:creationId xmlns:a16="http://schemas.microsoft.com/office/drawing/2014/main" xmlns="" id="{8D153262-0D22-EE4B-8422-E83531E442C3}"/>
+                <a16:creationId xmlns="" xmlns:a16="http://schemas.microsoft.com/office/drawing/2014/main" id="{8D153262-0D22-EE4B-8422-E83531E442C3}"/>
               </a:ext>
             </a:extLst>
           </p:cNvPr>
@@ -25345,7 +25320,7 @@
           <p:cNvPr id="10" name="TextBox 9">
             <a:extLst>
               <a:ext uri="{FF2B5EF4-FFF2-40B4-BE49-F238E27FC236}">
-                <a16:creationId xmlns:a16="http://schemas.microsoft.com/office/drawing/2014/main" xmlns="" id="{CC39E87A-2CAF-CD41-98DC-4526D06794F9}"/>
+                <a16:creationId xmlns="" xmlns:a16="http://schemas.microsoft.com/office/drawing/2014/main" id="{CC39E87A-2CAF-CD41-98DC-4526D06794F9}"/>
               </a:ext>
             </a:extLst>
           </p:cNvPr>
@@ -25391,7 +25366,7 @@
           <p:cNvPr id="11" name="Picture 10">
             <a:extLst>
               <a:ext uri="{FF2B5EF4-FFF2-40B4-BE49-F238E27FC236}">
-                <a16:creationId xmlns:a16="http://schemas.microsoft.com/office/drawing/2014/main" xmlns="" id="{B632F133-AC7B-4BFC-9A60-F9C1BF83B8C7}"/>
+                <a16:creationId xmlns="" xmlns:a16="http://schemas.microsoft.com/office/drawing/2014/main" id="{B632F133-AC7B-4BFC-9A60-F9C1BF83B8C7}"/>
               </a:ext>
             </a:extLst>
           </p:cNvPr>
@@ -25427,7 +25402,7 @@
           <p:cNvPr id="15" name="Title 1">
             <a:extLst>
               <a:ext uri="{FF2B5EF4-FFF2-40B4-BE49-F238E27FC236}">
-                <a16:creationId xmlns:a16="http://schemas.microsoft.com/office/drawing/2014/main" xmlns="" id="{13EBA3E6-25D4-4BA0-BF9B-28343460C110}"/>
+                <a16:creationId xmlns="" xmlns:a16="http://schemas.microsoft.com/office/drawing/2014/main" id="{13EBA3E6-25D4-4BA0-BF9B-28343460C110}"/>
               </a:ext>
             </a:extLst>
           </p:cNvPr>
@@ -25481,7 +25456,7 @@
           <p:cNvPr id="21" name="TextBox 20">
             <a:extLst>
               <a:ext uri="{FF2B5EF4-FFF2-40B4-BE49-F238E27FC236}">
-                <a16:creationId xmlns:a16="http://schemas.microsoft.com/office/drawing/2014/main" xmlns="" id="{414875D0-394E-4AF2-A3E5-0E3479FCA849}"/>
+                <a16:creationId xmlns="" xmlns:a16="http://schemas.microsoft.com/office/drawing/2014/main" id="{414875D0-394E-4AF2-A3E5-0E3479FCA849}"/>
               </a:ext>
             </a:extLst>
           </p:cNvPr>
@@ -25528,7 +25503,7 @@
           <p:cNvPr id="22" name="TextBox 21">
             <a:extLst>
               <a:ext uri="{FF2B5EF4-FFF2-40B4-BE49-F238E27FC236}">
-                <a16:creationId xmlns:a16="http://schemas.microsoft.com/office/drawing/2014/main" xmlns="" id="{85D86FD3-2AA8-4AC3-8DC8-6F086208D51C}"/>
+                <a16:creationId xmlns="" xmlns:a16="http://schemas.microsoft.com/office/drawing/2014/main" id="{85D86FD3-2AA8-4AC3-8DC8-6F086208D51C}"/>
               </a:ext>
             </a:extLst>
           </p:cNvPr>
@@ -25576,7 +25551,7 @@
           <p:cNvPr id="24" name="TextBox 23">
             <a:extLst>
               <a:ext uri="{FF2B5EF4-FFF2-40B4-BE49-F238E27FC236}">
-                <a16:creationId xmlns:a16="http://schemas.microsoft.com/office/drawing/2014/main" xmlns="" id="{B7179A51-5460-4ADA-9A06-1ABE87F06D1D}"/>
+                <a16:creationId xmlns="" xmlns:a16="http://schemas.microsoft.com/office/drawing/2014/main" id="{B7179A51-5460-4ADA-9A06-1ABE87F06D1D}"/>
               </a:ext>
             </a:extLst>
           </p:cNvPr>
@@ -25773,7 +25748,7 @@
           <p:cNvPr id="19" name="Footer Placeholder 45">
             <a:extLst>
               <a:ext uri="{FF2B5EF4-FFF2-40B4-BE49-F238E27FC236}">
-                <a16:creationId xmlns:a16="http://schemas.microsoft.com/office/drawing/2014/main" xmlns="" id="{90E33047-DFF5-4690-8905-31E4C115EFDC}"/>
+                <a16:creationId xmlns="" xmlns:a16="http://schemas.microsoft.com/office/drawing/2014/main" id="{90E33047-DFF5-4690-8905-31E4C115EFDC}"/>
               </a:ext>
             </a:extLst>
           </p:cNvPr>
@@ -25944,7 +25919,7 @@
           <p:cNvPr id="8" name="Rectangle 4">
             <a:extLst>
               <a:ext uri="{FF2B5EF4-FFF2-40B4-BE49-F238E27FC236}">
-                <a16:creationId xmlns:a16="http://schemas.microsoft.com/office/drawing/2014/main" xmlns="" id="{8D153262-0D22-EE4B-8422-E83531E442C3}"/>
+                <a16:creationId xmlns="" xmlns:a16="http://schemas.microsoft.com/office/drawing/2014/main" id="{8D153262-0D22-EE4B-8422-E83531E442C3}"/>
               </a:ext>
             </a:extLst>
           </p:cNvPr>
@@ -26156,7 +26131,7 @@
           <p:cNvPr id="10" name="TextBox 9">
             <a:extLst>
               <a:ext uri="{FF2B5EF4-FFF2-40B4-BE49-F238E27FC236}">
-                <a16:creationId xmlns:a16="http://schemas.microsoft.com/office/drawing/2014/main" xmlns="" id="{CC39E87A-2CAF-CD41-98DC-4526D06794F9}"/>
+                <a16:creationId xmlns="" xmlns:a16="http://schemas.microsoft.com/office/drawing/2014/main" id="{CC39E87A-2CAF-CD41-98DC-4526D06794F9}"/>
               </a:ext>
             </a:extLst>
           </p:cNvPr>
@@ -26202,7 +26177,7 @@
           <p:cNvPr id="11" name="Picture 10">
             <a:extLst>
               <a:ext uri="{FF2B5EF4-FFF2-40B4-BE49-F238E27FC236}">
-                <a16:creationId xmlns:a16="http://schemas.microsoft.com/office/drawing/2014/main" xmlns="" id="{B632F133-AC7B-4BFC-9A60-F9C1BF83B8C7}"/>
+                <a16:creationId xmlns="" xmlns:a16="http://schemas.microsoft.com/office/drawing/2014/main" id="{B632F133-AC7B-4BFC-9A60-F9C1BF83B8C7}"/>
               </a:ext>
             </a:extLst>
           </p:cNvPr>
@@ -26238,7 +26213,7 @@
           <p:cNvPr id="15" name="Title 1">
             <a:extLst>
               <a:ext uri="{FF2B5EF4-FFF2-40B4-BE49-F238E27FC236}">
-                <a16:creationId xmlns:a16="http://schemas.microsoft.com/office/drawing/2014/main" xmlns="" id="{13EBA3E6-25D4-4BA0-BF9B-28343460C110}"/>
+                <a16:creationId xmlns="" xmlns:a16="http://schemas.microsoft.com/office/drawing/2014/main" id="{13EBA3E6-25D4-4BA0-BF9B-28343460C110}"/>
               </a:ext>
             </a:extLst>
           </p:cNvPr>
@@ -26292,7 +26267,7 @@
           <p:cNvPr id="21" name="TextBox 20">
             <a:extLst>
               <a:ext uri="{FF2B5EF4-FFF2-40B4-BE49-F238E27FC236}">
-                <a16:creationId xmlns:a16="http://schemas.microsoft.com/office/drawing/2014/main" xmlns="" id="{414875D0-394E-4AF2-A3E5-0E3479FCA849}"/>
+                <a16:creationId xmlns="" xmlns:a16="http://schemas.microsoft.com/office/drawing/2014/main" id="{414875D0-394E-4AF2-A3E5-0E3479FCA849}"/>
               </a:ext>
             </a:extLst>
           </p:cNvPr>
@@ -26339,7 +26314,7 @@
           <p:cNvPr id="24" name="TextBox 23">
             <a:extLst>
               <a:ext uri="{FF2B5EF4-FFF2-40B4-BE49-F238E27FC236}">
-                <a16:creationId xmlns:a16="http://schemas.microsoft.com/office/drawing/2014/main" xmlns="" id="{B7179A51-5460-4ADA-9A06-1ABE87F06D1D}"/>
+                <a16:creationId xmlns="" xmlns:a16="http://schemas.microsoft.com/office/drawing/2014/main" id="{B7179A51-5460-4ADA-9A06-1ABE87F06D1D}"/>
               </a:ext>
             </a:extLst>
           </p:cNvPr>
@@ -26462,7 +26437,7 @@
           <p:cNvPr id="18" name="Footer Placeholder 45">
             <a:extLst>
               <a:ext uri="{FF2B5EF4-FFF2-40B4-BE49-F238E27FC236}">
-                <a16:creationId xmlns:a16="http://schemas.microsoft.com/office/drawing/2014/main" xmlns="" id="{90E33047-DFF5-4690-8905-31E4C115EFDC}"/>
+                <a16:creationId xmlns="" xmlns:a16="http://schemas.microsoft.com/office/drawing/2014/main" id="{90E33047-DFF5-4690-8905-31E4C115EFDC}"/>
               </a:ext>
             </a:extLst>
           </p:cNvPr>
@@ -26633,7 +26608,7 @@
           <p:cNvPr id="8" name="Rectangle 4">
             <a:extLst>
               <a:ext uri="{FF2B5EF4-FFF2-40B4-BE49-F238E27FC236}">
-                <a16:creationId xmlns:a16="http://schemas.microsoft.com/office/drawing/2014/main" xmlns="" id="{8D153262-0D22-EE4B-8422-E83531E442C3}"/>
+                <a16:creationId xmlns="" xmlns:a16="http://schemas.microsoft.com/office/drawing/2014/main" id="{8D153262-0D22-EE4B-8422-E83531E442C3}"/>
               </a:ext>
             </a:extLst>
           </p:cNvPr>
@@ -26845,7 +26820,7 @@
           <p:cNvPr id="10" name="TextBox 9">
             <a:extLst>
               <a:ext uri="{FF2B5EF4-FFF2-40B4-BE49-F238E27FC236}">
-                <a16:creationId xmlns:a16="http://schemas.microsoft.com/office/drawing/2014/main" xmlns="" id="{CC39E87A-2CAF-CD41-98DC-4526D06794F9}"/>
+                <a16:creationId xmlns="" xmlns:a16="http://schemas.microsoft.com/office/drawing/2014/main" id="{CC39E87A-2CAF-CD41-98DC-4526D06794F9}"/>
               </a:ext>
             </a:extLst>
           </p:cNvPr>
@@ -26891,7 +26866,7 @@
           <p:cNvPr id="11" name="Picture 10">
             <a:extLst>
               <a:ext uri="{FF2B5EF4-FFF2-40B4-BE49-F238E27FC236}">
-                <a16:creationId xmlns:a16="http://schemas.microsoft.com/office/drawing/2014/main" xmlns="" id="{B632F133-AC7B-4BFC-9A60-F9C1BF83B8C7}"/>
+                <a16:creationId xmlns="" xmlns:a16="http://schemas.microsoft.com/office/drawing/2014/main" id="{B632F133-AC7B-4BFC-9A60-F9C1BF83B8C7}"/>
               </a:ext>
             </a:extLst>
           </p:cNvPr>
@@ -26927,7 +26902,7 @@
           <p:cNvPr id="15" name="Title 1">
             <a:extLst>
               <a:ext uri="{FF2B5EF4-FFF2-40B4-BE49-F238E27FC236}">
-                <a16:creationId xmlns:a16="http://schemas.microsoft.com/office/drawing/2014/main" xmlns="" id="{13EBA3E6-25D4-4BA0-BF9B-28343460C110}"/>
+                <a16:creationId xmlns="" xmlns:a16="http://schemas.microsoft.com/office/drawing/2014/main" id="{13EBA3E6-25D4-4BA0-BF9B-28343460C110}"/>
               </a:ext>
             </a:extLst>
           </p:cNvPr>
@@ -26981,7 +26956,7 @@
           <p:cNvPr id="19" name="TextBox 18">
             <a:extLst>
               <a:ext uri="{FF2B5EF4-FFF2-40B4-BE49-F238E27FC236}">
-                <a16:creationId xmlns:a16="http://schemas.microsoft.com/office/drawing/2014/main" xmlns="" id="{0170E0F5-2AC9-46A0-8FB7-F6F2FAE52514}"/>
+                <a16:creationId xmlns="" xmlns:a16="http://schemas.microsoft.com/office/drawing/2014/main" id="{0170E0F5-2AC9-46A0-8FB7-F6F2FAE52514}"/>
               </a:ext>
             </a:extLst>
           </p:cNvPr>
@@ -27029,7 +27004,7 @@
           <p:cNvPr id="21" name="TextBox 20">
             <a:extLst>
               <a:ext uri="{FF2B5EF4-FFF2-40B4-BE49-F238E27FC236}">
-                <a16:creationId xmlns:a16="http://schemas.microsoft.com/office/drawing/2014/main" xmlns="" id="{414875D0-394E-4AF2-A3E5-0E3479FCA849}"/>
+                <a16:creationId xmlns="" xmlns:a16="http://schemas.microsoft.com/office/drawing/2014/main" id="{414875D0-394E-4AF2-A3E5-0E3479FCA849}"/>
               </a:ext>
             </a:extLst>
           </p:cNvPr>
@@ -27076,7 +27051,7 @@
           <p:cNvPr id="22" name="TextBox 21">
             <a:extLst>
               <a:ext uri="{FF2B5EF4-FFF2-40B4-BE49-F238E27FC236}">
-                <a16:creationId xmlns:a16="http://schemas.microsoft.com/office/drawing/2014/main" xmlns="" id="{85D86FD3-2AA8-4AC3-8DC8-6F086208D51C}"/>
+                <a16:creationId xmlns="" xmlns:a16="http://schemas.microsoft.com/office/drawing/2014/main" id="{85D86FD3-2AA8-4AC3-8DC8-6F086208D51C}"/>
               </a:ext>
             </a:extLst>
           </p:cNvPr>
@@ -27124,7 +27099,7 @@
           <p:cNvPr id="24" name="TextBox 23">
             <a:extLst>
               <a:ext uri="{FF2B5EF4-FFF2-40B4-BE49-F238E27FC236}">
-                <a16:creationId xmlns:a16="http://schemas.microsoft.com/office/drawing/2014/main" xmlns="" id="{B7179A51-5460-4ADA-9A06-1ABE87F06D1D}"/>
+                <a16:creationId xmlns="" xmlns:a16="http://schemas.microsoft.com/office/drawing/2014/main" id="{B7179A51-5460-4ADA-9A06-1ABE87F06D1D}"/>
               </a:ext>
             </a:extLst>
           </p:cNvPr>
@@ -27248,7 +27223,7 @@
           <p:cNvPr id="17" name="Footer Placeholder 45">
             <a:extLst>
               <a:ext uri="{FF2B5EF4-FFF2-40B4-BE49-F238E27FC236}">
-                <a16:creationId xmlns:a16="http://schemas.microsoft.com/office/drawing/2014/main" xmlns="" id="{90E33047-DFF5-4690-8905-31E4C115EFDC}"/>
+                <a16:creationId xmlns="" xmlns:a16="http://schemas.microsoft.com/office/drawing/2014/main" id="{90E33047-DFF5-4690-8905-31E4C115EFDC}"/>
               </a:ext>
             </a:extLst>
           </p:cNvPr>
@@ -27419,7 +27394,7 @@
           <p:cNvPr id="8" name="Rectangle 4">
             <a:extLst>
               <a:ext uri="{FF2B5EF4-FFF2-40B4-BE49-F238E27FC236}">
-                <a16:creationId xmlns:a16="http://schemas.microsoft.com/office/drawing/2014/main" xmlns="" id="{8D153262-0D22-EE4B-8422-E83531E442C3}"/>
+                <a16:creationId xmlns="" xmlns:a16="http://schemas.microsoft.com/office/drawing/2014/main" id="{8D153262-0D22-EE4B-8422-E83531E442C3}"/>
               </a:ext>
             </a:extLst>
           </p:cNvPr>
@@ -27631,7 +27606,7 @@
           <p:cNvPr id="10" name="TextBox 9">
             <a:extLst>
               <a:ext uri="{FF2B5EF4-FFF2-40B4-BE49-F238E27FC236}">
-                <a16:creationId xmlns:a16="http://schemas.microsoft.com/office/drawing/2014/main" xmlns="" id="{CC39E87A-2CAF-CD41-98DC-4526D06794F9}"/>
+                <a16:creationId xmlns="" xmlns:a16="http://schemas.microsoft.com/office/drawing/2014/main" id="{CC39E87A-2CAF-CD41-98DC-4526D06794F9}"/>
               </a:ext>
             </a:extLst>
           </p:cNvPr>
@@ -27677,7 +27652,7 @@
           <p:cNvPr id="11" name="Picture 10">
             <a:extLst>
               <a:ext uri="{FF2B5EF4-FFF2-40B4-BE49-F238E27FC236}">
-                <a16:creationId xmlns:a16="http://schemas.microsoft.com/office/drawing/2014/main" xmlns="" id="{B632F133-AC7B-4BFC-9A60-F9C1BF83B8C7}"/>
+                <a16:creationId xmlns="" xmlns:a16="http://schemas.microsoft.com/office/drawing/2014/main" id="{B632F133-AC7B-4BFC-9A60-F9C1BF83B8C7}"/>
               </a:ext>
             </a:extLst>
           </p:cNvPr>
@@ -27713,7 +27688,7 @@
           <p:cNvPr id="15" name="Title 1">
             <a:extLst>
               <a:ext uri="{FF2B5EF4-FFF2-40B4-BE49-F238E27FC236}">
-                <a16:creationId xmlns:a16="http://schemas.microsoft.com/office/drawing/2014/main" xmlns="" id="{13EBA3E6-25D4-4BA0-BF9B-28343460C110}"/>
+                <a16:creationId xmlns="" xmlns:a16="http://schemas.microsoft.com/office/drawing/2014/main" id="{13EBA3E6-25D4-4BA0-BF9B-28343460C110}"/>
               </a:ext>
             </a:extLst>
           </p:cNvPr>
@@ -27770,7 +27745,7 @@
           <p:cNvPr id="19" name="TextBox 18">
             <a:extLst>
               <a:ext uri="{FF2B5EF4-FFF2-40B4-BE49-F238E27FC236}">
-                <a16:creationId xmlns:a16="http://schemas.microsoft.com/office/drawing/2014/main" xmlns="" id="{0170E0F5-2AC9-46A0-8FB7-F6F2FAE52514}"/>
+                <a16:creationId xmlns="" xmlns:a16="http://schemas.microsoft.com/office/drawing/2014/main" id="{0170E0F5-2AC9-46A0-8FB7-F6F2FAE52514}"/>
               </a:ext>
             </a:extLst>
           </p:cNvPr>
@@ -27818,7 +27793,7 @@
           <p:cNvPr id="21" name="TextBox 20">
             <a:extLst>
               <a:ext uri="{FF2B5EF4-FFF2-40B4-BE49-F238E27FC236}">
-                <a16:creationId xmlns:a16="http://schemas.microsoft.com/office/drawing/2014/main" xmlns="" id="{414875D0-394E-4AF2-A3E5-0E3479FCA849}"/>
+                <a16:creationId xmlns="" xmlns:a16="http://schemas.microsoft.com/office/drawing/2014/main" id="{414875D0-394E-4AF2-A3E5-0E3479FCA849}"/>
               </a:ext>
             </a:extLst>
           </p:cNvPr>
@@ -27865,7 +27840,7 @@
           <p:cNvPr id="24" name="TextBox 23">
             <a:extLst>
               <a:ext uri="{FF2B5EF4-FFF2-40B4-BE49-F238E27FC236}">
-                <a16:creationId xmlns:a16="http://schemas.microsoft.com/office/drawing/2014/main" xmlns="" id="{B7179A51-5460-4ADA-9A06-1ABE87F06D1D}"/>
+                <a16:creationId xmlns="" xmlns:a16="http://schemas.microsoft.com/office/drawing/2014/main" id="{B7179A51-5460-4ADA-9A06-1ABE87F06D1D}"/>
               </a:ext>
             </a:extLst>
           </p:cNvPr>
@@ -28072,7 +28047,7 @@
           <p:cNvPr id="16" name="Footer Placeholder 45">
             <a:extLst>
               <a:ext uri="{FF2B5EF4-FFF2-40B4-BE49-F238E27FC236}">
-                <a16:creationId xmlns:a16="http://schemas.microsoft.com/office/drawing/2014/main" xmlns="" id="{90E33047-DFF5-4690-8905-31E4C115EFDC}"/>
+                <a16:creationId xmlns="" xmlns:a16="http://schemas.microsoft.com/office/drawing/2014/main" id="{90E33047-DFF5-4690-8905-31E4C115EFDC}"/>
               </a:ext>
             </a:extLst>
           </p:cNvPr>
@@ -28243,7 +28218,7 @@
           <p:cNvPr id="8" name="Rectangle 4">
             <a:extLst>
               <a:ext uri="{FF2B5EF4-FFF2-40B4-BE49-F238E27FC236}">
-                <a16:creationId xmlns:a16="http://schemas.microsoft.com/office/drawing/2014/main" xmlns="" id="{8D153262-0D22-EE4B-8422-E83531E442C3}"/>
+                <a16:creationId xmlns="" xmlns:a16="http://schemas.microsoft.com/office/drawing/2014/main" id="{8D153262-0D22-EE4B-8422-E83531E442C3}"/>
               </a:ext>
             </a:extLst>
           </p:cNvPr>
@@ -28455,7 +28430,7 @@
           <p:cNvPr id="11" name="Picture 10">
             <a:extLst>
               <a:ext uri="{FF2B5EF4-FFF2-40B4-BE49-F238E27FC236}">
-                <a16:creationId xmlns:a16="http://schemas.microsoft.com/office/drawing/2014/main" xmlns="" id="{B632F133-AC7B-4BFC-9A60-F9C1BF83B8C7}"/>
+                <a16:creationId xmlns="" xmlns:a16="http://schemas.microsoft.com/office/drawing/2014/main" id="{B632F133-AC7B-4BFC-9A60-F9C1BF83B8C7}"/>
               </a:ext>
             </a:extLst>
           </p:cNvPr>
@@ -28491,7 +28466,7 @@
           <p:cNvPr id="15" name="Title 1">
             <a:extLst>
               <a:ext uri="{FF2B5EF4-FFF2-40B4-BE49-F238E27FC236}">
-                <a16:creationId xmlns:a16="http://schemas.microsoft.com/office/drawing/2014/main" xmlns="" id="{13EBA3E6-25D4-4BA0-BF9B-28343460C110}"/>
+                <a16:creationId xmlns="" xmlns:a16="http://schemas.microsoft.com/office/drawing/2014/main" id="{13EBA3E6-25D4-4BA0-BF9B-28343460C110}"/>
               </a:ext>
             </a:extLst>
           </p:cNvPr>
@@ -28548,7 +28523,7 @@
           <p:cNvPr id="19" name="TextBox 18">
             <a:extLst>
               <a:ext uri="{FF2B5EF4-FFF2-40B4-BE49-F238E27FC236}">
-                <a16:creationId xmlns:a16="http://schemas.microsoft.com/office/drawing/2014/main" xmlns="" id="{0170E0F5-2AC9-46A0-8FB7-F6F2FAE52514}"/>
+                <a16:creationId xmlns="" xmlns:a16="http://schemas.microsoft.com/office/drawing/2014/main" id="{0170E0F5-2AC9-46A0-8FB7-F6F2FAE52514}"/>
               </a:ext>
             </a:extLst>
           </p:cNvPr>
@@ -28596,7 +28571,7 @@
           <p:cNvPr id="21" name="TextBox 20">
             <a:extLst>
               <a:ext uri="{FF2B5EF4-FFF2-40B4-BE49-F238E27FC236}">
-                <a16:creationId xmlns:a16="http://schemas.microsoft.com/office/drawing/2014/main" xmlns="" id="{414875D0-394E-4AF2-A3E5-0E3479FCA849}"/>
+                <a16:creationId xmlns="" xmlns:a16="http://schemas.microsoft.com/office/drawing/2014/main" id="{414875D0-394E-4AF2-A3E5-0E3479FCA849}"/>
               </a:ext>
             </a:extLst>
           </p:cNvPr>
@@ -28643,7 +28618,7 @@
           <p:cNvPr id="22" name="TextBox 21">
             <a:extLst>
               <a:ext uri="{FF2B5EF4-FFF2-40B4-BE49-F238E27FC236}">
-                <a16:creationId xmlns:a16="http://schemas.microsoft.com/office/drawing/2014/main" xmlns="" id="{85D86FD3-2AA8-4AC3-8DC8-6F086208D51C}"/>
+                <a16:creationId xmlns="" xmlns:a16="http://schemas.microsoft.com/office/drawing/2014/main" id="{85D86FD3-2AA8-4AC3-8DC8-6F086208D51C}"/>
               </a:ext>
             </a:extLst>
           </p:cNvPr>
@@ -28691,7 +28666,7 @@
           <p:cNvPr id="24" name="TextBox 23">
             <a:extLst>
               <a:ext uri="{FF2B5EF4-FFF2-40B4-BE49-F238E27FC236}">
-                <a16:creationId xmlns:a16="http://schemas.microsoft.com/office/drawing/2014/main" xmlns="" id="{B7179A51-5460-4ADA-9A06-1ABE87F06D1D}"/>
+                <a16:creationId xmlns="" xmlns:a16="http://schemas.microsoft.com/office/drawing/2014/main" id="{B7179A51-5460-4ADA-9A06-1ABE87F06D1D}"/>
               </a:ext>
             </a:extLst>
           </p:cNvPr>
@@ -28858,7 +28833,7 @@
           <p:cNvPr id="16" name="Footer Placeholder 45">
             <a:extLst>
               <a:ext uri="{FF2B5EF4-FFF2-40B4-BE49-F238E27FC236}">
-                <a16:creationId xmlns:a16="http://schemas.microsoft.com/office/drawing/2014/main" xmlns="" id="{90E33047-DFF5-4690-8905-31E4C115EFDC}"/>
+                <a16:creationId xmlns="" xmlns:a16="http://schemas.microsoft.com/office/drawing/2014/main" id="{90E33047-DFF5-4690-8905-31E4C115EFDC}"/>
               </a:ext>
             </a:extLst>
           </p:cNvPr>
